--- a/example23.pptx
+++ b/example23.pptx
@@ -107,6 +107,11 @@
       </a:defRPr>
     </a:lvl9pPr>
   </p:defaultTextStyle>
+  <p:extLst>
+    <p:ext uri="{EFAFB233-063F-42B5-8137-9DF3F51BA10A}">
+      <p15:sldGuideLst xmlns:p15="http://schemas.microsoft.com/office/powerpoint/2012/main"/>
+    </p:ext>
+  </p:extLst>
 </p:presentation>
 </file>
 
@@ -152,10 +157,9 @@
           </a:lstStyle>
           <a:p>
             <a:r>
-              <a:rPr lang="en-US" smtClean="0"/>
+              <a:rPr lang="en-US"/>
               <a:t>Click to edit Master title style</a:t>
             </a:r>
-            <a:endParaRPr lang="en-US"/>
           </a:p>
         </p:txBody>
       </p:sp>
@@ -217,10 +221,9 @@
           </a:lstStyle>
           <a:p>
             <a:r>
-              <a:rPr lang="en-US" smtClean="0"/>
+              <a:rPr lang="en-US"/>
               <a:t>Click to edit Master subtitle style</a:t>
             </a:r>
-            <a:endParaRPr lang="en-US"/>
           </a:p>
         </p:txBody>
       </p:sp>
@@ -241,7 +244,7 @@
           <a:p>
             <a:fld id="{33009927-3AFC-4AC0-8CA7-253C44623B33}" type="datetimeFigureOut">
               <a:rPr lang="en-US" smtClean="0"/>
-              <a:t>5/6/2021</a:t>
+              <a:t>5/8/2021</a:t>
             </a:fld>
             <a:endParaRPr lang="en-US"/>
           </a:p>
@@ -335,10 +338,9 @@
           <a:lstStyle/>
           <a:p>
             <a:r>
-              <a:rPr lang="en-US" smtClean="0"/>
+              <a:rPr lang="en-US"/>
               <a:t>Click to edit Master title style</a:t>
             </a:r>
-            <a:endParaRPr lang="en-US"/>
           </a:p>
         </p:txBody>
       </p:sp>
@@ -359,38 +361,37 @@
           <a:p>
             <a:pPr lvl="0"/>
             <a:r>
-              <a:rPr lang="en-US" smtClean="0"/>
+              <a:rPr lang="en-US"/>
               <a:t>Edit Master text styles</a:t>
             </a:r>
           </a:p>
           <a:p>
             <a:pPr lvl="1"/>
             <a:r>
-              <a:rPr lang="en-US" smtClean="0"/>
+              <a:rPr lang="en-US"/>
               <a:t>Second level</a:t>
             </a:r>
           </a:p>
           <a:p>
             <a:pPr lvl="2"/>
             <a:r>
-              <a:rPr lang="en-US" smtClean="0"/>
+              <a:rPr lang="en-US"/>
               <a:t>Third level</a:t>
             </a:r>
           </a:p>
           <a:p>
             <a:pPr lvl="3"/>
             <a:r>
-              <a:rPr lang="en-US" smtClean="0"/>
+              <a:rPr lang="en-US"/>
               <a:t>Fourth level</a:t>
             </a:r>
           </a:p>
           <a:p>
             <a:pPr lvl="4"/>
             <a:r>
-              <a:rPr lang="en-US" smtClean="0"/>
+              <a:rPr lang="en-US"/>
               <a:t>Fifth level</a:t>
             </a:r>
-            <a:endParaRPr lang="en-US"/>
           </a:p>
         </p:txBody>
       </p:sp>
@@ -411,7 +412,7 @@
           <a:p>
             <a:fld id="{33009927-3AFC-4AC0-8CA7-253C44623B33}" type="datetimeFigureOut">
               <a:rPr lang="en-US" smtClean="0"/>
-              <a:t>5/6/2021</a:t>
+              <a:t>5/8/2021</a:t>
             </a:fld>
             <a:endParaRPr lang="en-US"/>
           </a:p>
@@ -510,10 +511,9 @@
           <a:lstStyle/>
           <a:p>
             <a:r>
-              <a:rPr lang="en-US" smtClean="0"/>
+              <a:rPr lang="en-US"/>
               <a:t>Click to edit Master title style</a:t>
             </a:r>
-            <a:endParaRPr lang="en-US"/>
           </a:p>
         </p:txBody>
       </p:sp>
@@ -539,38 +539,37 @@
           <a:p>
             <a:pPr lvl="0"/>
             <a:r>
-              <a:rPr lang="en-US" smtClean="0"/>
+              <a:rPr lang="en-US"/>
               <a:t>Edit Master text styles</a:t>
             </a:r>
           </a:p>
           <a:p>
             <a:pPr lvl="1"/>
             <a:r>
-              <a:rPr lang="en-US" smtClean="0"/>
+              <a:rPr lang="en-US"/>
               <a:t>Second level</a:t>
             </a:r>
           </a:p>
           <a:p>
             <a:pPr lvl="2"/>
             <a:r>
-              <a:rPr lang="en-US" smtClean="0"/>
+              <a:rPr lang="en-US"/>
               <a:t>Third level</a:t>
             </a:r>
           </a:p>
           <a:p>
             <a:pPr lvl="3"/>
             <a:r>
-              <a:rPr lang="en-US" smtClean="0"/>
+              <a:rPr lang="en-US"/>
               <a:t>Fourth level</a:t>
             </a:r>
           </a:p>
           <a:p>
             <a:pPr lvl="4"/>
             <a:r>
-              <a:rPr lang="en-US" smtClean="0"/>
+              <a:rPr lang="en-US"/>
               <a:t>Fifth level</a:t>
             </a:r>
-            <a:endParaRPr lang="en-US"/>
           </a:p>
         </p:txBody>
       </p:sp>
@@ -591,7 +590,7 @@
           <a:p>
             <a:fld id="{33009927-3AFC-4AC0-8CA7-253C44623B33}" type="datetimeFigureOut">
               <a:rPr lang="en-US" smtClean="0"/>
-              <a:t>5/6/2021</a:t>
+              <a:t>5/8/2021</a:t>
             </a:fld>
             <a:endParaRPr lang="en-US"/>
           </a:p>
@@ -685,10 +684,9 @@
           <a:lstStyle/>
           <a:p>
             <a:r>
-              <a:rPr lang="en-US" smtClean="0"/>
+              <a:rPr lang="en-US"/>
               <a:t>Click to edit Master title style</a:t>
             </a:r>
-            <a:endParaRPr lang="en-US"/>
           </a:p>
         </p:txBody>
       </p:sp>
@@ -709,38 +707,37 @@
           <a:p>
             <a:pPr lvl="0"/>
             <a:r>
-              <a:rPr lang="en-US" smtClean="0"/>
+              <a:rPr lang="en-US"/>
               <a:t>Edit Master text styles</a:t>
             </a:r>
           </a:p>
           <a:p>
             <a:pPr lvl="1"/>
             <a:r>
-              <a:rPr lang="en-US" smtClean="0"/>
+              <a:rPr lang="en-US"/>
               <a:t>Second level</a:t>
             </a:r>
           </a:p>
           <a:p>
             <a:pPr lvl="2"/>
             <a:r>
-              <a:rPr lang="en-US" smtClean="0"/>
+              <a:rPr lang="en-US"/>
               <a:t>Third level</a:t>
             </a:r>
           </a:p>
           <a:p>
             <a:pPr lvl="3"/>
             <a:r>
-              <a:rPr lang="en-US" smtClean="0"/>
+              <a:rPr lang="en-US"/>
               <a:t>Fourth level</a:t>
             </a:r>
           </a:p>
           <a:p>
             <a:pPr lvl="4"/>
             <a:r>
-              <a:rPr lang="en-US" smtClean="0"/>
+              <a:rPr lang="en-US"/>
               <a:t>Fifth level</a:t>
             </a:r>
-            <a:endParaRPr lang="en-US"/>
           </a:p>
         </p:txBody>
       </p:sp>
@@ -761,7 +758,7 @@
           <a:p>
             <a:fld id="{33009927-3AFC-4AC0-8CA7-253C44623B33}" type="datetimeFigureOut">
               <a:rPr lang="en-US" smtClean="0"/>
-              <a:t>5/6/2021</a:t>
+              <a:t>5/8/2021</a:t>
             </a:fld>
             <a:endParaRPr lang="en-US"/>
           </a:p>
@@ -864,10 +861,9 @@
           </a:lstStyle>
           <a:p>
             <a:r>
-              <a:rPr lang="en-US" smtClean="0"/>
+              <a:rPr lang="en-US"/>
               <a:t>Click to edit Master title style</a:t>
             </a:r>
-            <a:endParaRPr lang="en-US"/>
           </a:p>
         </p:txBody>
       </p:sp>
@@ -984,7 +980,7 @@
           <a:p>
             <a:pPr lvl="0"/>
             <a:r>
-              <a:rPr lang="en-US" smtClean="0"/>
+              <a:rPr lang="en-US"/>
               <a:t>Edit Master text styles</a:t>
             </a:r>
           </a:p>
@@ -1007,7 +1003,7 @@
           <a:p>
             <a:fld id="{33009927-3AFC-4AC0-8CA7-253C44623B33}" type="datetimeFigureOut">
               <a:rPr lang="en-US" smtClean="0"/>
-              <a:t>5/6/2021</a:t>
+              <a:t>5/8/2021</a:t>
             </a:fld>
             <a:endParaRPr lang="en-US"/>
           </a:p>
@@ -1101,10 +1097,9 @@
           <a:lstStyle/>
           <a:p>
             <a:r>
-              <a:rPr lang="en-US" smtClean="0"/>
+              <a:rPr lang="en-US"/>
               <a:t>Click to edit Master title style</a:t>
             </a:r>
-            <a:endParaRPr lang="en-US"/>
           </a:p>
         </p:txBody>
       </p:sp>
@@ -1130,38 +1125,37 @@
           <a:p>
             <a:pPr lvl="0"/>
             <a:r>
-              <a:rPr lang="en-US" smtClean="0"/>
+              <a:rPr lang="en-US"/>
               <a:t>Edit Master text styles</a:t>
             </a:r>
           </a:p>
           <a:p>
             <a:pPr lvl="1"/>
             <a:r>
-              <a:rPr lang="en-US" smtClean="0"/>
+              <a:rPr lang="en-US"/>
               <a:t>Second level</a:t>
             </a:r>
           </a:p>
           <a:p>
             <a:pPr lvl="2"/>
             <a:r>
-              <a:rPr lang="en-US" smtClean="0"/>
+              <a:rPr lang="en-US"/>
               <a:t>Third level</a:t>
             </a:r>
           </a:p>
           <a:p>
             <a:pPr lvl="3"/>
             <a:r>
-              <a:rPr lang="en-US" smtClean="0"/>
+              <a:rPr lang="en-US"/>
               <a:t>Fourth level</a:t>
             </a:r>
           </a:p>
           <a:p>
             <a:pPr lvl="4"/>
             <a:r>
-              <a:rPr lang="en-US" smtClean="0"/>
+              <a:rPr lang="en-US"/>
               <a:t>Fifth level</a:t>
             </a:r>
-            <a:endParaRPr lang="en-US"/>
           </a:p>
         </p:txBody>
       </p:sp>
@@ -1187,38 +1181,37 @@
           <a:p>
             <a:pPr lvl="0"/>
             <a:r>
-              <a:rPr lang="en-US" smtClean="0"/>
+              <a:rPr lang="en-US"/>
               <a:t>Edit Master text styles</a:t>
             </a:r>
           </a:p>
           <a:p>
             <a:pPr lvl="1"/>
             <a:r>
-              <a:rPr lang="en-US" smtClean="0"/>
+              <a:rPr lang="en-US"/>
               <a:t>Second level</a:t>
             </a:r>
           </a:p>
           <a:p>
             <a:pPr lvl="2"/>
             <a:r>
-              <a:rPr lang="en-US" smtClean="0"/>
+              <a:rPr lang="en-US"/>
               <a:t>Third level</a:t>
             </a:r>
           </a:p>
           <a:p>
             <a:pPr lvl="3"/>
             <a:r>
-              <a:rPr lang="en-US" smtClean="0"/>
+              <a:rPr lang="en-US"/>
               <a:t>Fourth level</a:t>
             </a:r>
           </a:p>
           <a:p>
             <a:pPr lvl="4"/>
             <a:r>
-              <a:rPr lang="en-US" smtClean="0"/>
+              <a:rPr lang="en-US"/>
               <a:t>Fifth level</a:t>
             </a:r>
-            <a:endParaRPr lang="en-US"/>
           </a:p>
         </p:txBody>
       </p:sp>
@@ -1239,7 +1232,7 @@
           <a:p>
             <a:fld id="{33009927-3AFC-4AC0-8CA7-253C44623B33}" type="datetimeFigureOut">
               <a:rPr lang="en-US" smtClean="0"/>
-              <a:t>5/6/2021</a:t>
+              <a:t>5/8/2021</a:t>
             </a:fld>
             <a:endParaRPr lang="en-US"/>
           </a:p>
@@ -1338,10 +1331,9 @@
           <a:lstStyle/>
           <a:p>
             <a:r>
-              <a:rPr lang="en-US" smtClean="0"/>
+              <a:rPr lang="en-US"/>
               <a:t>Click to edit Master title style</a:t>
             </a:r>
-            <a:endParaRPr lang="en-US"/>
           </a:p>
         </p:txBody>
       </p:sp>
@@ -1404,7 +1396,7 @@
           <a:p>
             <a:pPr lvl="0"/>
             <a:r>
-              <a:rPr lang="en-US" smtClean="0"/>
+              <a:rPr lang="en-US"/>
               <a:t>Edit Master text styles</a:t>
             </a:r>
           </a:p>
@@ -1432,38 +1424,37 @@
           <a:p>
             <a:pPr lvl="0"/>
             <a:r>
-              <a:rPr lang="en-US" smtClean="0"/>
+              <a:rPr lang="en-US"/>
               <a:t>Edit Master text styles</a:t>
             </a:r>
           </a:p>
           <a:p>
             <a:pPr lvl="1"/>
             <a:r>
-              <a:rPr lang="en-US" smtClean="0"/>
+              <a:rPr lang="en-US"/>
               <a:t>Second level</a:t>
             </a:r>
           </a:p>
           <a:p>
             <a:pPr lvl="2"/>
             <a:r>
-              <a:rPr lang="en-US" smtClean="0"/>
+              <a:rPr lang="en-US"/>
               <a:t>Third level</a:t>
             </a:r>
           </a:p>
           <a:p>
             <a:pPr lvl="3"/>
             <a:r>
-              <a:rPr lang="en-US" smtClean="0"/>
+              <a:rPr lang="en-US"/>
               <a:t>Fourth level</a:t>
             </a:r>
           </a:p>
           <a:p>
             <a:pPr lvl="4"/>
             <a:r>
-              <a:rPr lang="en-US" smtClean="0"/>
+              <a:rPr lang="en-US"/>
               <a:t>Fifth level</a:t>
             </a:r>
-            <a:endParaRPr lang="en-US"/>
           </a:p>
         </p:txBody>
       </p:sp>
@@ -1526,7 +1517,7 @@
           <a:p>
             <a:pPr lvl="0"/>
             <a:r>
-              <a:rPr lang="en-US" smtClean="0"/>
+              <a:rPr lang="en-US"/>
               <a:t>Edit Master text styles</a:t>
             </a:r>
           </a:p>
@@ -1554,38 +1545,37 @@
           <a:p>
             <a:pPr lvl="0"/>
             <a:r>
-              <a:rPr lang="en-US" smtClean="0"/>
+              <a:rPr lang="en-US"/>
               <a:t>Edit Master text styles</a:t>
             </a:r>
           </a:p>
           <a:p>
             <a:pPr lvl="1"/>
             <a:r>
-              <a:rPr lang="en-US" smtClean="0"/>
+              <a:rPr lang="en-US"/>
               <a:t>Second level</a:t>
             </a:r>
           </a:p>
           <a:p>
             <a:pPr lvl="2"/>
             <a:r>
-              <a:rPr lang="en-US" smtClean="0"/>
+              <a:rPr lang="en-US"/>
               <a:t>Third level</a:t>
             </a:r>
           </a:p>
           <a:p>
             <a:pPr lvl="3"/>
             <a:r>
-              <a:rPr lang="en-US" smtClean="0"/>
+              <a:rPr lang="en-US"/>
               <a:t>Fourth level</a:t>
             </a:r>
           </a:p>
           <a:p>
             <a:pPr lvl="4"/>
             <a:r>
-              <a:rPr lang="en-US" smtClean="0"/>
+              <a:rPr lang="en-US"/>
               <a:t>Fifth level</a:t>
             </a:r>
-            <a:endParaRPr lang="en-US"/>
           </a:p>
         </p:txBody>
       </p:sp>
@@ -1606,7 +1596,7 @@
           <a:p>
             <a:fld id="{33009927-3AFC-4AC0-8CA7-253C44623B33}" type="datetimeFigureOut">
               <a:rPr lang="en-US" smtClean="0"/>
-              <a:t>5/6/2021</a:t>
+              <a:t>5/8/2021</a:t>
             </a:fld>
             <a:endParaRPr lang="en-US"/>
           </a:p>
@@ -1700,10 +1690,9 @@
           <a:lstStyle/>
           <a:p>
             <a:r>
-              <a:rPr lang="en-US" smtClean="0"/>
+              <a:rPr lang="en-US"/>
               <a:t>Click to edit Master title style</a:t>
             </a:r>
-            <a:endParaRPr lang="en-US"/>
           </a:p>
         </p:txBody>
       </p:sp>
@@ -1724,7 +1713,7 @@
           <a:p>
             <a:fld id="{33009927-3AFC-4AC0-8CA7-253C44623B33}" type="datetimeFigureOut">
               <a:rPr lang="en-US" smtClean="0"/>
-              <a:t>5/6/2021</a:t>
+              <a:t>5/8/2021</a:t>
             </a:fld>
             <a:endParaRPr lang="en-US"/>
           </a:p>
@@ -1819,7 +1808,7 @@
           <a:p>
             <a:fld id="{33009927-3AFC-4AC0-8CA7-253C44623B33}" type="datetimeFigureOut">
               <a:rPr lang="en-US" smtClean="0"/>
-              <a:t>5/6/2021</a:t>
+              <a:t>5/8/2021</a:t>
             </a:fld>
             <a:endParaRPr lang="en-US"/>
           </a:p>
@@ -1922,10 +1911,9 @@
           </a:lstStyle>
           <a:p>
             <a:r>
-              <a:rPr lang="en-US" smtClean="0"/>
+              <a:rPr lang="en-US"/>
               <a:t>Click to edit Master title style</a:t>
             </a:r>
-            <a:endParaRPr lang="en-US"/>
           </a:p>
         </p:txBody>
       </p:sp>
@@ -1979,38 +1967,37 @@
           <a:p>
             <a:pPr lvl="0"/>
             <a:r>
-              <a:rPr lang="en-US" smtClean="0"/>
+              <a:rPr lang="en-US"/>
               <a:t>Edit Master text styles</a:t>
             </a:r>
           </a:p>
           <a:p>
             <a:pPr lvl="1"/>
             <a:r>
-              <a:rPr lang="en-US" smtClean="0"/>
+              <a:rPr lang="en-US"/>
               <a:t>Second level</a:t>
             </a:r>
           </a:p>
           <a:p>
             <a:pPr lvl="2"/>
             <a:r>
-              <a:rPr lang="en-US" smtClean="0"/>
+              <a:rPr lang="en-US"/>
               <a:t>Third level</a:t>
             </a:r>
           </a:p>
           <a:p>
             <a:pPr lvl="3"/>
             <a:r>
-              <a:rPr lang="en-US" smtClean="0"/>
+              <a:rPr lang="en-US"/>
               <a:t>Fourth level</a:t>
             </a:r>
           </a:p>
           <a:p>
             <a:pPr lvl="4"/>
             <a:r>
-              <a:rPr lang="en-US" smtClean="0"/>
+              <a:rPr lang="en-US"/>
               <a:t>Fifth level</a:t>
             </a:r>
-            <a:endParaRPr lang="en-US"/>
           </a:p>
         </p:txBody>
       </p:sp>
@@ -2073,7 +2060,7 @@
           <a:p>
             <a:pPr lvl="0"/>
             <a:r>
-              <a:rPr lang="en-US" smtClean="0"/>
+              <a:rPr lang="en-US"/>
               <a:t>Edit Master text styles</a:t>
             </a:r>
           </a:p>
@@ -2096,7 +2083,7 @@
           <a:p>
             <a:fld id="{33009927-3AFC-4AC0-8CA7-253C44623B33}" type="datetimeFigureOut">
               <a:rPr lang="en-US" smtClean="0"/>
-              <a:t>5/6/2021</a:t>
+              <a:t>5/8/2021</a:t>
             </a:fld>
             <a:endParaRPr lang="en-US"/>
           </a:p>
@@ -2199,10 +2186,9 @@
           </a:lstStyle>
           <a:p>
             <a:r>
-              <a:rPr lang="en-US" smtClean="0"/>
+              <a:rPr lang="en-US"/>
               <a:t>Click to edit Master title style</a:t>
             </a:r>
-            <a:endParaRPr lang="en-US"/>
           </a:p>
         </p:txBody>
       </p:sp>
@@ -2326,7 +2312,7 @@
           <a:p>
             <a:pPr lvl="0"/>
             <a:r>
-              <a:rPr lang="en-US" smtClean="0"/>
+              <a:rPr lang="en-US"/>
               <a:t>Edit Master text styles</a:t>
             </a:r>
           </a:p>
@@ -2349,7 +2335,7 @@
           <a:p>
             <a:fld id="{33009927-3AFC-4AC0-8CA7-253C44623B33}" type="datetimeFigureOut">
               <a:rPr lang="en-US" smtClean="0"/>
-              <a:t>5/6/2021</a:t>
+              <a:t>5/8/2021</a:t>
             </a:fld>
             <a:endParaRPr lang="en-US"/>
           </a:p>
@@ -2458,10 +2444,9 @@
           <a:lstStyle/>
           <a:p>
             <a:r>
-              <a:rPr lang="en-US" smtClean="0"/>
+              <a:rPr lang="en-US"/>
               <a:t>Click to edit Master title style</a:t>
             </a:r>
-            <a:endParaRPr lang="en-US"/>
           </a:p>
         </p:txBody>
       </p:sp>
@@ -2492,38 +2477,37 @@
           <a:p>
             <a:pPr lvl="0"/>
             <a:r>
-              <a:rPr lang="en-US" smtClean="0"/>
+              <a:rPr lang="en-US"/>
               <a:t>Edit Master text styles</a:t>
             </a:r>
           </a:p>
           <a:p>
             <a:pPr lvl="1"/>
             <a:r>
-              <a:rPr lang="en-US" smtClean="0"/>
+              <a:rPr lang="en-US"/>
               <a:t>Second level</a:t>
             </a:r>
           </a:p>
           <a:p>
             <a:pPr lvl="2"/>
             <a:r>
-              <a:rPr lang="en-US" smtClean="0"/>
+              <a:rPr lang="en-US"/>
               <a:t>Third level</a:t>
             </a:r>
           </a:p>
           <a:p>
             <a:pPr lvl="3"/>
             <a:r>
-              <a:rPr lang="en-US" smtClean="0"/>
+              <a:rPr lang="en-US"/>
               <a:t>Fourth level</a:t>
             </a:r>
           </a:p>
           <a:p>
             <a:pPr lvl="4"/>
             <a:r>
-              <a:rPr lang="en-US" smtClean="0"/>
+              <a:rPr lang="en-US"/>
               <a:t>Fifth level</a:t>
             </a:r>
-            <a:endParaRPr lang="en-US"/>
           </a:p>
         </p:txBody>
       </p:sp>
@@ -2562,7 +2546,7 @@
           <a:p>
             <a:fld id="{33009927-3AFC-4AC0-8CA7-253C44623B33}" type="datetimeFigureOut">
               <a:rPr lang="en-US" smtClean="0"/>
-              <a:t>5/6/2021</a:t>
+              <a:t>5/8/2021</a:t>
             </a:fld>
             <a:endParaRPr lang="en-US"/>
           </a:p>
@@ -2983,10 +2967,9 @@
           <a:lstStyle/>
           <a:p>
             <a:r>
-              <a:rPr lang="en-US" dirty="0" smtClean="0"/>
+              <a:rPr lang="en-US" dirty="0"/>
               <a:t>@Component</a:t>
             </a:r>
-            <a:endParaRPr lang="en-US" dirty="0"/>
           </a:p>
         </p:txBody>
       </p:sp>
@@ -3011,105 +2994,93 @@
               <a:buNone/>
             </a:pPr>
             <a:r>
-              <a:rPr lang="ru-RU" dirty="0" smtClean="0"/>
+              <a:rPr lang="ru-RU" dirty="0"/>
               <a:t>Аннотация </a:t>
             </a:r>
-            <a:r>
-              <a:rPr lang="ru-RU" b="1" dirty="0" smtClean="0"/>
-              <a:t>@</a:t>
-            </a:r>
-            <a:r>
-              <a:rPr lang="ru-RU" b="1" dirty="0" err="1" smtClean="0"/>
-              <a:t>Component</a:t>
-            </a:r>
-            <a:r>
-              <a:rPr lang="ru-RU" dirty="0" smtClean="0"/>
-              <a:t> используется для определения </a:t>
-            </a:r>
-            <a:r>
-              <a:rPr lang="ru-RU" dirty="0" err="1" smtClean="0"/>
-              <a:t>Spring</a:t>
-            </a:r>
-            <a:r>
-              <a:rPr lang="ru-RU" dirty="0" smtClean="0"/>
-              <a:t> компонентов без использования XML конфигурации.</a:t>
-            </a:r>
-            <a:r>
-              <a:rPr lang="en-US" dirty="0" smtClean="0"/>
-              <a:t> </a:t>
-            </a:r>
-            <a:r>
-              <a:rPr lang="ru-RU" dirty="0" smtClean="0"/>
-              <a:t>Применяется к классам</a:t>
-            </a:r>
-          </a:p>
-          <a:p>
-            <a:pPr marL="0" indent="0">
-              <a:buNone/>
-            </a:pPr>
-            <a:r>
-              <a:rPr lang="ru-RU" dirty="0" smtClean="0"/>
-              <a:t>Рекомендуется применять более специфичные аннотации:</a:t>
-            </a:r>
-            <a:endParaRPr lang="en-US" dirty="0" smtClean="0"/>
-          </a:p>
-          <a:p>
             <a:r>
               <a:rPr lang="ru-RU" b="1" dirty="0"/>
               <a:t>@</a:t>
             </a:r>
             <a:r>
               <a:rPr lang="ru-RU" b="1" dirty="0" err="1"/>
+              <a:t>Component</a:t>
+            </a:r>
+            <a:r>
+              <a:rPr lang="ru-RU" dirty="0"/>
+              <a:t> используется для определения </a:t>
+            </a:r>
+            <a:r>
+              <a:rPr lang="ru-RU" dirty="0" err="1"/>
+              <a:t>Spring</a:t>
+            </a:r>
+            <a:r>
+              <a:rPr lang="ru-RU" dirty="0"/>
+              <a:t> компонентов без использования XML конфигурации.</a:t>
+            </a:r>
+            <a:r>
+              <a:rPr lang="en-US" dirty="0"/>
+              <a:t> </a:t>
+            </a:r>
+            <a:r>
+              <a:rPr lang="ru-RU" dirty="0"/>
+              <a:t>Применяется к классам</a:t>
+            </a:r>
+          </a:p>
+          <a:p>
+            <a:pPr marL="0" indent="0">
+              <a:buNone/>
+            </a:pPr>
+            <a:r>
+              <a:rPr lang="ru-RU" dirty="0"/>
+              <a:t>Рекомендуется применять более специфичные аннотации:</a:t>
+            </a:r>
+            <a:endParaRPr lang="en-US" dirty="0"/>
+          </a:p>
+          <a:p>
+            <a:r>
+              <a:rPr lang="ru-RU" b="1" dirty="0"/>
+              <a:t>@</a:t>
+            </a:r>
+            <a:r>
+              <a:rPr lang="ru-RU" b="1" dirty="0" err="1"/>
               <a:t>Service</a:t>
             </a:r>
             <a:r>
               <a:rPr lang="ru-RU" dirty="0"/>
-              <a:t> - </a:t>
-            </a:r>
-            <a:r>
-              <a:rPr lang="ru-RU" dirty="0" smtClean="0"/>
-              <a:t>Сервис-слой приложения</a:t>
-            </a:r>
-            <a:r>
-              <a:rPr lang="en-US" dirty="0" smtClean="0"/>
-              <a:t>.</a:t>
-            </a:r>
-          </a:p>
-          <a:p>
-            <a:r>
-              <a:rPr lang="ru-RU" b="1" dirty="0" smtClean="0"/>
-              <a:t>@</a:t>
-            </a:r>
-            <a:r>
-              <a:rPr lang="ru-RU" b="1" dirty="0" err="1" smtClean="0"/>
-              <a:t>Repository</a:t>
-            </a:r>
-            <a:r>
-              <a:rPr lang="ru-RU" dirty="0"/>
-              <a:t> - </a:t>
-            </a:r>
-            <a:r>
-              <a:rPr lang="ru-RU" dirty="0" smtClean="0"/>
-              <a:t>Доменный слой</a:t>
+              <a:t> - Сервис-слой приложения</a:t>
             </a:r>
             <a:r>
               <a:rPr lang="en-US" dirty="0"/>
               <a:t>.</a:t>
             </a:r>
-            <a:r>
-              <a:rPr lang="ru-RU" dirty="0" smtClean="0"/>
-              <a:t> </a:t>
+          </a:p>
+          <a:p>
+            <a:r>
+              <a:rPr lang="ru-RU" b="1" dirty="0"/>
+              <a:t>@</a:t>
+            </a:r>
+            <a:r>
+              <a:rPr lang="ru-RU" b="1" dirty="0" err="1"/>
+              <a:t>Repository</a:t>
             </a:r>
             <a:r>
               <a:rPr lang="ru-RU" dirty="0"/>
-              <a:t>Аннотация показывает, что класс функционирует как </a:t>
+              <a:t> - Доменный слой</a:t>
+            </a:r>
+            <a:r>
+              <a:rPr lang="en-US" dirty="0"/>
+              <a:t>.</a:t>
+            </a:r>
+            <a:r>
+              <a:rPr lang="ru-RU" dirty="0"/>
+              <a:t> Аннотация показывает, что класс функционирует как </a:t>
             </a:r>
             <a:r>
               <a:rPr lang="ru-RU" dirty="0" err="1"/>
               <a:t>репозиторий</a:t>
             </a:r>
             <a:r>
-              <a:rPr lang="ru-RU" dirty="0" smtClean="0"/>
+              <a:rPr lang="ru-RU" dirty="0"/>
               <a:t>.</a:t>
             </a:r>
           </a:p>
@@ -3124,23 +3095,15 @@
             </a:r>
             <a:r>
               <a:rPr lang="ru-RU" dirty="0"/>
-              <a:t> - </a:t>
-            </a:r>
-            <a:r>
-              <a:rPr lang="ru-RU" dirty="0" smtClean="0"/>
-              <a:t>Слой представления</a:t>
-            </a:r>
-            <a:r>
-              <a:rPr lang="en-US" dirty="0" smtClean="0"/>
+              <a:t> - Слой представления</a:t>
+            </a:r>
+            <a:r>
+              <a:rPr lang="en-US" dirty="0"/>
               <a:t>. </a:t>
             </a:r>
             <a:r>
-              <a:rPr lang="ru-RU" dirty="0" smtClean="0"/>
-              <a:t>Аннотация </a:t>
-            </a:r>
-            <a:r>
               <a:rPr lang="ru-RU" dirty="0"/>
-              <a:t>для маркировки </a:t>
+              <a:t>Аннотация для маркировки </a:t>
             </a:r>
             <a:r>
               <a:rPr lang="ru-RU" dirty="0" err="1"/>
@@ -3148,17 +3111,13 @@
             </a:r>
             <a:r>
               <a:rPr lang="ru-RU" dirty="0"/>
-              <a:t> класса, как класса </a:t>
-            </a:r>
-            <a:r>
-              <a:rPr lang="ru-RU" dirty="0" smtClean="0"/>
-              <a:t>контроллера</a:t>
-            </a:r>
-            <a:r>
-              <a:rPr lang="en-US" dirty="0" smtClean="0"/>
+              <a:t> класса, как класса контроллера</a:t>
+            </a:r>
+            <a:r>
+              <a:rPr lang="en-US" dirty="0"/>
               <a:t>.</a:t>
             </a:r>
-            <a:endParaRPr lang="ru-RU" dirty="0" smtClean="0"/>
+            <a:endParaRPr lang="ru-RU" dirty="0"/>
           </a:p>
           <a:p>
             <a:endParaRPr lang="en-US" dirty="0"/>
@@ -3217,13 +3176,9 @@
           <a:p>
             <a:r>
               <a:rPr lang="ru-RU" dirty="0"/>
-              <a:t>Для работы через эти аннотации необходимо добавить следующую команду в конфигурацию контейнера</a:t>
-            </a:r>
-            <a:r>
-              <a:rPr lang="ru-RU" dirty="0" smtClean="0"/>
-              <a:t>:</a:t>
-            </a:r>
-            <a:endParaRPr lang="en-US" dirty="0" smtClean="0"/>
+              <a:t>Для работы через эти аннотации необходимо добавить следующую команду в конфигурацию контейнера:</a:t>
+            </a:r>
+            <a:endParaRPr lang="en-US" dirty="0"/>
           </a:p>
           <a:p>
             <a:endParaRPr lang="en-US" dirty="0">
@@ -3231,99 +3186,91 @@
             </a:endParaRPr>
           </a:p>
           <a:p>
-            <a:endParaRPr lang="ru-RU" dirty="0" smtClean="0">
+            <a:endParaRPr lang="ru-RU" dirty="0">
               <a:effectLst/>
             </a:endParaRPr>
           </a:p>
           <a:p>
             <a:r>
-              <a:rPr lang="ru-RU" dirty="0" smtClean="0"/>
+              <a:rPr lang="ru-RU" dirty="0"/>
               <a:t>В нашем примере класс </a:t>
             </a:r>
             <a:r>
-              <a:rPr lang="en-US" dirty="0" smtClean="0"/>
+              <a:rPr lang="en-US" dirty="0"/>
               <a:t>Cat </a:t>
             </a:r>
             <a:r>
-              <a:rPr lang="ru-RU" dirty="0" smtClean="0"/>
+              <a:rPr lang="ru-RU" dirty="0"/>
               <a:t>и класс </a:t>
             </a:r>
             <a:r>
-              <a:rPr lang="en-US" dirty="0" smtClean="0"/>
+              <a:rPr lang="en-US" dirty="0"/>
               <a:t>Person </a:t>
             </a:r>
             <a:r>
-              <a:rPr lang="ru-RU" dirty="0" smtClean="0"/>
+              <a:rPr lang="ru-RU" dirty="0"/>
               <a:t>помечены аннотацией </a:t>
             </a:r>
             <a:r>
-              <a:rPr lang="en-US" dirty="0" smtClean="0"/>
+              <a:rPr lang="en-US" dirty="0"/>
               <a:t>@Component</a:t>
             </a:r>
             <a:r>
-              <a:rPr lang="ru-RU" dirty="0" smtClean="0"/>
-              <a:t>. То есть это </a:t>
-            </a:r>
-            <a:r>
-              <a:rPr lang="ru-RU" dirty="0" err="1" smtClean="0"/>
+              <a:rPr lang="ru-RU" dirty="0"/>
+              <a:t>. То есть </a:t>
+            </a:r>
+            <a:r>
+              <a:rPr lang="ru-RU" dirty="0" err="1"/>
+              <a:t>спринг</a:t>
+            </a:r>
+            <a:r>
+              <a:rPr lang="ru-RU" dirty="0"/>
+              <a:t> сам за нас создаст их </a:t>
+            </a:r>
+            <a:r>
+              <a:rPr lang="ru-RU" dirty="0" err="1"/>
               <a:t>бины</a:t>
             </a:r>
             <a:r>
-              <a:rPr lang="ru-RU" dirty="0" smtClean="0"/>
+              <a:rPr lang="ru-RU" dirty="0"/>
               <a:t>. </a:t>
             </a:r>
-            <a:endParaRPr lang="en-US" dirty="0" smtClean="0"/>
-          </a:p>
-          <a:p>
-            <a:r>
-              <a:rPr lang="ru-RU" dirty="0" smtClean="0"/>
+            <a:endParaRPr lang="en-US" dirty="0"/>
+          </a:p>
+          <a:p>
+            <a:r>
+              <a:rPr lang="ru-RU" dirty="0"/>
               <a:t>Через аннотацию </a:t>
             </a:r>
             <a:r>
-              <a:rPr lang="en-US" dirty="0" smtClean="0"/>
+              <a:rPr lang="en-US" dirty="0"/>
               <a:t>@Value </a:t>
             </a:r>
             <a:r>
-              <a:rPr lang="ru-RU" dirty="0" smtClean="0"/>
+              <a:rPr lang="ru-RU" dirty="0"/>
               <a:t>к сеттеру, мы устанавливаем значения в поля.</a:t>
             </a:r>
           </a:p>
           <a:p>
             <a:r>
-              <a:rPr lang="ru-RU" dirty="0" smtClean="0"/>
+              <a:rPr lang="ru-RU" dirty="0"/>
               <a:t>Грубо говоря, наши </a:t>
             </a:r>
             <a:r>
-              <a:rPr lang="ru-RU" dirty="0" err="1" smtClean="0"/>
+              <a:rPr lang="ru-RU" dirty="0" err="1"/>
               <a:t>бины</a:t>
             </a:r>
             <a:r>
-              <a:rPr lang="ru-RU" dirty="0" smtClean="0"/>
+              <a:rPr lang="ru-RU" dirty="0"/>
               <a:t> в этом примере соответствуют </a:t>
             </a:r>
             <a:r>
-              <a:rPr lang="ru-RU" dirty="0" err="1" smtClean="0"/>
+              <a:rPr lang="ru-RU" dirty="0" err="1"/>
               <a:t>бинам</a:t>
             </a:r>
             <a:r>
-              <a:rPr lang="ru-RU" dirty="0" smtClean="0"/>
-              <a:t> из прошлого примера, только созданы с использованием аннотаций.(А в </a:t>
-            </a:r>
-            <a:r>
-              <a:rPr lang="en-US" dirty="0" smtClean="0"/>
-              <a:t>Cat </a:t>
-            </a:r>
-            <a:r>
-              <a:rPr lang="ru-RU" dirty="0" smtClean="0"/>
-              <a:t>ещё добавлено поле </a:t>
-            </a:r>
-            <a:r>
-              <a:rPr lang="en-US" dirty="0" smtClean="0"/>
-              <a:t>age, </a:t>
-            </a:r>
-            <a:r>
-              <a:rPr lang="ru-RU" dirty="0" smtClean="0"/>
-              <a:t>но сути это не меняет)</a:t>
+              <a:rPr lang="ru-RU" dirty="0"/>
+              <a:t> из прошлого примера, только созданы с использованием аннотаций.</a:t>
             </a:r>
             <a:endParaRPr lang="en-US" dirty="0"/>
           </a:p>
@@ -3400,7 +3347,7 @@
               <a:tabLst/>
             </a:pPr>
             <a:r>
-              <a:rPr kumimoji="0" lang="en-US" altLang="en-US" sz="2000" b="0" i="0" u="none" strike="noStrike" cap="none" normalizeH="0" baseline="0" dirty="0" smtClean="0">
+              <a:rPr kumimoji="0" lang="en-US" altLang="en-US" sz="2000" b="0" i="0" u="none" strike="noStrike" cap="none" normalizeH="0" baseline="0" dirty="0">
                 <a:ln>
                   <a:noFill/>
                 </a:ln>
@@ -3413,7 +3360,7 @@
               <a:t>&lt;</a:t>
             </a:r>
             <a:r>
-              <a:rPr kumimoji="0" lang="en-US" altLang="en-US" sz="2000" b="0" i="0" u="none" strike="noStrike" cap="none" normalizeH="0" baseline="0" dirty="0" err="1" smtClean="0">
+              <a:rPr kumimoji="0" lang="en-US" altLang="en-US" sz="2000" b="0" i="0" u="none" strike="noStrike" cap="none" normalizeH="0" baseline="0" dirty="0" err="1">
                 <a:ln>
                   <a:noFill/>
                 </a:ln>
@@ -3426,7 +3373,7 @@
               <a:t>context</a:t>
             </a:r>
             <a:r>
-              <a:rPr kumimoji="0" lang="en-US" altLang="en-US" sz="2000" b="0" i="0" u="none" strike="noStrike" cap="none" normalizeH="0" baseline="0" dirty="0" err="1" smtClean="0">
+              <a:rPr kumimoji="0" lang="en-US" altLang="en-US" sz="2000" b="0" i="0" u="none" strike="noStrike" cap="none" normalizeH="0" baseline="0" dirty="0" err="1">
                 <a:ln>
                   <a:noFill/>
                 </a:ln>
@@ -3439,7 +3386,7 @@
               <a:t>:component-scan</a:t>
             </a:r>
             <a:r>
-              <a:rPr kumimoji="0" lang="en-US" altLang="en-US" sz="2000" b="0" i="0" u="none" strike="noStrike" cap="none" normalizeH="0" baseline="0" dirty="0" smtClean="0">
+              <a:rPr kumimoji="0" lang="en-US" altLang="en-US" sz="2000" b="0" i="0" u="none" strike="noStrike" cap="none" normalizeH="0" baseline="0" dirty="0">
                 <a:ln>
                   <a:noFill/>
                 </a:ln>
@@ -3452,7 +3399,7 @@
               <a:t> </a:t>
             </a:r>
             <a:r>
-              <a:rPr kumimoji="0" lang="en-US" altLang="en-US" sz="2000" b="0" i="0" u="none" strike="noStrike" cap="none" normalizeH="0" baseline="0" dirty="0" smtClean="0">
+              <a:rPr kumimoji="0" lang="en-US" altLang="en-US" sz="2000" b="0" i="0" u="none" strike="noStrike" cap="none" normalizeH="0" baseline="0" dirty="0">
                 <a:ln>
                   <a:noFill/>
                 </a:ln>
@@ -3465,7 +3412,7 @@
               <a:t>base-package</a:t>
             </a:r>
             <a:r>
-              <a:rPr kumimoji="0" lang="en-US" altLang="en-US" sz="2000" b="0" i="0" u="none" strike="noStrike" cap="none" normalizeH="0" baseline="0" dirty="0" smtClean="0">
+              <a:rPr kumimoji="0" lang="en-US" altLang="en-US" sz="2000" b="0" i="0" u="none" strike="noStrike" cap="none" normalizeH="0" baseline="0" dirty="0">
                 <a:ln>
                   <a:noFill/>
                 </a:ln>
@@ -3478,7 +3425,7 @@
               <a:t>=“</a:t>
             </a:r>
             <a:r>
-              <a:rPr kumimoji="0" lang="ru-RU" altLang="en-US" sz="2000" b="0" i="0" u="none" strike="noStrike" cap="none" normalizeH="0" baseline="0" dirty="0" smtClean="0">
+              <a:rPr kumimoji="0" lang="ru-RU" altLang="en-US" sz="2000" b="0" i="0" u="none" strike="noStrike" cap="none" normalizeH="0" baseline="0" dirty="0">
                 <a:ln>
                   <a:noFill/>
                 </a:ln>
@@ -3491,7 +3438,7 @@
               <a:t>путь</a:t>
             </a:r>
             <a:r>
-              <a:rPr kumimoji="0" lang="ru-RU" altLang="en-US" sz="2000" b="0" i="0" u="none" strike="noStrike" cap="none" normalizeH="0" dirty="0" smtClean="0">
+              <a:rPr kumimoji="0" lang="ru-RU" altLang="en-US" sz="2000" b="0" i="0" u="none" strike="noStrike" cap="none" normalizeH="0" dirty="0">
                 <a:ln>
                   <a:noFill/>
                 </a:ln>
@@ -3504,7 +3451,7 @@
               <a:t> к пакету</a:t>
             </a:r>
             <a:r>
-              <a:rPr kumimoji="0" lang="en-US" altLang="en-US" sz="2000" b="0" i="0" u="none" strike="noStrike" cap="none" normalizeH="0" baseline="0" dirty="0" smtClean="0">
+              <a:rPr kumimoji="0" lang="en-US" altLang="en-US" sz="2000" b="0" i="0" u="none" strike="noStrike" cap="none" normalizeH="0" baseline="0" dirty="0">
                 <a:ln>
                   <a:noFill/>
                 </a:ln>
@@ -3517,7 +3464,7 @@
               <a:t>"</a:t>
             </a:r>
             <a:r>
-              <a:rPr kumimoji="0" lang="en-US" altLang="en-US" sz="2000" b="0" i="0" u="none" strike="noStrike" cap="none" normalizeH="0" baseline="0" dirty="0" smtClean="0">
+              <a:rPr kumimoji="0" lang="en-US" altLang="en-US" sz="2000" b="0" i="0" u="none" strike="noStrike" cap="none" normalizeH="0" baseline="0" dirty="0">
                 <a:ln>
                   <a:noFill/>
                 </a:ln>
@@ -3529,7 +3476,7 @@
               </a:rPr>
               <a:t>/&gt;</a:t>
             </a:r>
-            <a:endParaRPr kumimoji="0" lang="en-US" altLang="en-US" sz="2000" b="0" i="0" u="none" strike="noStrike" cap="none" normalizeH="0" baseline="0" dirty="0" smtClean="0">
+            <a:endParaRPr kumimoji="0" lang="en-US" altLang="en-US" sz="2000" b="0" i="0" u="none" strike="noStrike" cap="none" normalizeH="0" baseline="0" dirty="0">
               <a:ln>
                 <a:noFill/>
               </a:ln>
@@ -3539,6 +3486,99 @@
               <a:effectLst/>
               <a:latin typeface="Arial" panose="020B0604020202020204" pitchFamily="34" charset="0"/>
             </a:endParaRPr>
+          </a:p>
+        </p:txBody>
+      </p:sp>
+      <p:sp>
+        <p:nvSpPr>
+          <p:cNvPr id="2" name="TextBox 1">
+            <a:extLst>
+              <a:ext uri="{FF2B5EF4-FFF2-40B4-BE49-F238E27FC236}">
+                <a16:creationId xmlns:a16="http://schemas.microsoft.com/office/drawing/2014/main" id="{6D430033-B51D-4EAA-857B-08F489DABC6F}"/>
+              </a:ext>
+            </a:extLst>
+          </p:cNvPr>
+          <p:cNvSpPr txBox="1"/>
+          <p:nvPr/>
+        </p:nvSpPr>
+        <p:spPr>
+          <a:xfrm>
+            <a:off x="838200" y="5444067"/>
+            <a:ext cx="10791993" cy="1477328"/>
+          </a:xfrm>
+          <a:prstGeom prst="rect">
+            <a:avLst/>
+          </a:prstGeom>
+          <a:noFill/>
+        </p:spPr>
+        <p:txBody>
+          <a:bodyPr wrap="none" rtlCol="0">
+            <a:spAutoFit/>
+          </a:bodyPr>
+          <a:lstStyle/>
+          <a:p>
+            <a:r>
+              <a:rPr lang="en-CA" dirty="0"/>
+              <a:t>(age </a:t>
+            </a:r>
+            <a:r>
+              <a:rPr lang="ru-RU" dirty="0"/>
+              <a:t>убрал</a:t>
+            </a:r>
+          </a:p>
+          <a:p>
+            <a:r>
+              <a:rPr lang="ru-RU" dirty="0"/>
+              <a:t> выглядит так, будто через </a:t>
+            </a:r>
+            <a:r>
+              <a:rPr lang="en-CA" dirty="0"/>
+              <a:t>xml </a:t>
+            </a:r>
+            <a:r>
+              <a:rPr lang="ru-RU" dirty="0"/>
+              <a:t>делать проще (кода меньше), надо показать преимущества аннотаций.</a:t>
+            </a:r>
+          </a:p>
+          <a:p>
+            <a:r>
+              <a:rPr lang="ru-RU" dirty="0"/>
+              <a:t>Сказать тип, что нам всего то нужно поставить </a:t>
+            </a:r>
+            <a:r>
+              <a:rPr lang="en-CA" dirty="0"/>
+              <a:t>Component </a:t>
+            </a:r>
+            <a:r>
+              <a:rPr lang="ru-RU" dirty="0"/>
+              <a:t>и </a:t>
+            </a:r>
+            <a:r>
+              <a:rPr lang="en-CA" dirty="0" err="1"/>
+              <a:t>Autowired</a:t>
+            </a:r>
+            <a:r>
+              <a:rPr lang="en-CA" dirty="0"/>
+              <a:t>. </a:t>
+            </a:r>
+            <a:r>
+              <a:rPr lang="ru-RU" dirty="0"/>
+              <a:t>Можно взять скрин из презентации </a:t>
+            </a:r>
+          </a:p>
+          <a:p>
+            <a:r>
+              <a:rPr lang="ru-RU" dirty="0"/>
+              <a:t>Или ещё откуда про преимущества аннотаций)</a:t>
+            </a:r>
+            <a:r>
+              <a:rPr lang="en-CA" dirty="0"/>
+              <a:t> </a:t>
+            </a:r>
+            <a:endParaRPr lang="ru-RU" dirty="0"/>
+          </a:p>
+          <a:p>
+            <a:endParaRPr lang="ru-RU" dirty="0"/>
           </a:p>
         </p:txBody>
       </p:sp>
@@ -3593,7 +3633,7 @@
           <a:lstStyle/>
           <a:p>
             <a:r>
-              <a:rPr lang="ru-RU" dirty="0" smtClean="0"/>
+              <a:rPr lang="ru-RU" dirty="0"/>
               <a:t>Сравните:</a:t>
             </a:r>
           </a:p>
@@ -3612,8 +3652,8 @@
         </p:nvSpPr>
         <p:spPr bwMode="auto">
           <a:xfrm>
-            <a:off x="838200" y="1337369"/>
-            <a:ext cx="4483920" cy="5016758"/>
+            <a:off x="838200" y="2260698"/>
+            <a:ext cx="4093878" cy="3170099"/>
           </a:xfrm>
           <a:prstGeom prst="rect">
             <a:avLst/>
@@ -3673,7 +3713,7 @@
               <a:tabLst/>
             </a:pPr>
             <a:r>
-              <a:rPr kumimoji="0" lang="en-US" altLang="en-US" sz="2000" b="0" i="0" u="none" strike="noStrike" cap="none" normalizeH="0" baseline="0" dirty="0" smtClean="0">
+              <a:rPr kumimoji="0" lang="en-US" altLang="en-US" sz="2000" b="0" i="0" u="none" strike="noStrike" cap="none" normalizeH="0" baseline="0" dirty="0">
                 <a:ln>
                   <a:noFill/>
                 </a:ln>
@@ -3686,7 +3726,7 @@
               <a:t>@Component</a:t>
             </a:r>
             <a:r>
-              <a:rPr kumimoji="0" lang="en-US" altLang="en-US" sz="2000" b="0" i="0" u="none" strike="noStrike" cap="none" normalizeH="0" baseline="0" dirty="0" smtClean="0">
+              <a:rPr kumimoji="0" lang="en-US" altLang="en-US" sz="2000" b="0" i="0" u="none" strike="noStrike" cap="none" normalizeH="0" baseline="0" dirty="0">
                 <a:ln>
                   <a:noFill/>
                 </a:ln>
@@ -3699,7 +3739,7 @@
               <a:t>(</a:t>
             </a:r>
             <a:r>
-              <a:rPr kumimoji="0" lang="en-US" altLang="en-US" sz="2000" b="0" i="0" u="none" strike="noStrike" cap="none" normalizeH="0" baseline="0" dirty="0" smtClean="0">
+              <a:rPr kumimoji="0" lang="en-US" altLang="en-US" sz="2000" b="0" i="0" u="none" strike="noStrike" cap="none" normalizeH="0" baseline="0" dirty="0">
                 <a:ln>
                   <a:noFill/>
                 </a:ln>
@@ -3712,7 +3752,7 @@
               <a:t>"cat"</a:t>
             </a:r>
             <a:r>
-              <a:rPr kumimoji="0" lang="en-US" altLang="en-US" sz="2000" b="0" i="0" u="none" strike="noStrike" cap="none" normalizeH="0" baseline="0" dirty="0" smtClean="0">
+              <a:rPr kumimoji="0" lang="en-US" altLang="en-US" sz="2000" b="0" i="0" u="none" strike="noStrike" cap="none" normalizeH="0" baseline="0" dirty="0">
                 <a:ln>
                   <a:noFill/>
                 </a:ln>
@@ -3725,7 +3765,7 @@
               <a:t>)</a:t>
             </a:r>
             <a:br>
-              <a:rPr kumimoji="0" lang="en-US" altLang="en-US" sz="2000" b="0" i="0" u="none" strike="noStrike" cap="none" normalizeH="0" baseline="0" dirty="0" smtClean="0">
+              <a:rPr kumimoji="0" lang="en-US" altLang="en-US" sz="2000" b="0" i="0" u="none" strike="noStrike" cap="none" normalizeH="0" baseline="0" dirty="0">
                 <a:ln>
                   <a:noFill/>
                 </a:ln>
@@ -3737,7 +3777,7 @@
               </a:rPr>
             </a:br>
             <a:r>
-              <a:rPr kumimoji="0" lang="en-US" altLang="en-US" sz="2000" b="0" i="0" u="none" strike="noStrike" cap="none" normalizeH="0" baseline="0" dirty="0" smtClean="0">
+              <a:rPr kumimoji="0" lang="en-US" altLang="en-US" sz="2000" b="0" i="0" u="none" strike="noStrike" cap="none" normalizeH="0" baseline="0" dirty="0">
                 <a:ln>
                   <a:noFill/>
                 </a:ln>
@@ -3750,7 +3790,7 @@
               <a:t>public class </a:t>
             </a:r>
             <a:r>
-              <a:rPr kumimoji="0" lang="en-US" altLang="en-US" sz="2000" b="0" i="0" u="none" strike="noStrike" cap="none" normalizeH="0" baseline="0" dirty="0" smtClean="0">
+              <a:rPr kumimoji="0" lang="en-US" altLang="en-US" sz="2000" b="0" i="0" u="none" strike="noStrike" cap="none" normalizeH="0" baseline="0" dirty="0">
                 <a:ln>
                   <a:noFill/>
                 </a:ln>
@@ -3763,7 +3803,7 @@
               <a:t>Cat {</a:t>
             </a:r>
             <a:br>
-              <a:rPr kumimoji="0" lang="en-US" altLang="en-US" sz="2000" b="0" i="0" u="none" strike="noStrike" cap="none" normalizeH="0" baseline="0" dirty="0" smtClean="0">
+              <a:rPr kumimoji="0" lang="en-US" altLang="en-US" sz="2000" b="0" i="0" u="none" strike="noStrike" cap="none" normalizeH="0" baseline="0" dirty="0">
                 <a:ln>
                   <a:noFill/>
                 </a:ln>
@@ -3774,21 +3814,8 @@
                 <a:latin typeface="JetBrains Mono"/>
               </a:rPr>
             </a:br>
-            <a:r>
-              <a:rPr kumimoji="0" lang="en-US" altLang="en-US" sz="2000" b="0" i="0" u="none" strike="noStrike" cap="none" normalizeH="0" baseline="0" dirty="0" smtClean="0">
-                <a:ln>
-                  <a:noFill/>
-                </a:ln>
-                <a:solidFill>
-                  <a:srgbClr val="A9B7C6"/>
-                </a:solidFill>
-                <a:effectLst/>
-                <a:latin typeface="JetBrains Mono"/>
-              </a:rPr>
-              <a:t/>
-            </a:r>
             <a:br>
-              <a:rPr kumimoji="0" lang="en-US" altLang="en-US" sz="2000" b="0" i="0" u="none" strike="noStrike" cap="none" normalizeH="0" baseline="0" dirty="0" smtClean="0">
+              <a:rPr kumimoji="0" lang="en-US" altLang="en-US" sz="2000" b="0" i="0" u="none" strike="noStrike" cap="none" normalizeH="0" baseline="0" dirty="0">
                 <a:ln>
                   <a:noFill/>
                 </a:ln>
@@ -3800,7 +3827,7 @@
               </a:rPr>
             </a:br>
             <a:r>
-              <a:rPr kumimoji="0" lang="en-US" altLang="en-US" sz="2000" b="0" i="0" u="none" strike="noStrike" cap="none" normalizeH="0" baseline="0" dirty="0" smtClean="0">
+              <a:rPr kumimoji="0" lang="en-US" altLang="en-US" sz="2000" b="0" i="0" u="none" strike="noStrike" cap="none" normalizeH="0" baseline="0" dirty="0">
                 <a:ln>
                   <a:noFill/>
                 </a:ln>
@@ -3813,7 +3840,7 @@
               <a:t>    </a:t>
             </a:r>
             <a:r>
-              <a:rPr kumimoji="0" lang="en-US" altLang="en-US" sz="2000" b="0" i="0" u="none" strike="noStrike" cap="none" normalizeH="0" baseline="0" dirty="0" smtClean="0">
+              <a:rPr kumimoji="0" lang="en-US" altLang="en-US" sz="2000" b="0" i="0" u="none" strike="noStrike" cap="none" normalizeH="0" baseline="0" dirty="0">
                 <a:ln>
                   <a:noFill/>
                 </a:ln>
@@ -3826,7 +3853,7 @@
               <a:t>private </a:t>
             </a:r>
             <a:r>
-              <a:rPr kumimoji="0" lang="en-US" altLang="en-US" sz="2000" b="0" i="0" u="none" strike="noStrike" cap="none" normalizeH="0" baseline="0" dirty="0" smtClean="0">
+              <a:rPr kumimoji="0" lang="en-US" altLang="en-US" sz="2000" b="0" i="0" u="none" strike="noStrike" cap="none" normalizeH="0" baseline="0" dirty="0">
                 <a:ln>
                   <a:noFill/>
                 </a:ln>
@@ -3839,7 +3866,7 @@
               <a:t>String </a:t>
             </a:r>
             <a:r>
-              <a:rPr kumimoji="0" lang="en-US" altLang="en-US" sz="2000" b="0" i="0" u="none" strike="noStrike" cap="none" normalizeH="0" baseline="0" dirty="0" smtClean="0">
+              <a:rPr kumimoji="0" lang="en-US" altLang="en-US" sz="2000" b="0" i="0" u="none" strike="noStrike" cap="none" normalizeH="0" baseline="0" dirty="0">
                 <a:ln>
                   <a:noFill/>
                 </a:ln>
@@ -3852,7 +3879,7 @@
               <a:t>name</a:t>
             </a:r>
             <a:r>
-              <a:rPr kumimoji="0" lang="en-US" altLang="en-US" sz="2000" b="0" i="0" u="none" strike="noStrike" cap="none" normalizeH="0" baseline="0" dirty="0" smtClean="0">
+              <a:rPr kumimoji="0" lang="en-US" altLang="en-US" sz="2000" b="0" i="0" u="none" strike="noStrike" cap="none" normalizeH="0" baseline="0" dirty="0">
                 <a:ln>
                   <a:noFill/>
                 </a:ln>
@@ -3865,7 +3892,7 @@
               <a:t>;</a:t>
             </a:r>
             <a:br>
-              <a:rPr kumimoji="0" lang="en-US" altLang="en-US" sz="2000" b="0" i="0" u="none" strike="noStrike" cap="none" normalizeH="0" baseline="0" dirty="0" smtClean="0">
+              <a:rPr kumimoji="0" lang="en-US" altLang="en-US" sz="2000" b="0" i="0" u="none" strike="noStrike" cap="none" normalizeH="0" baseline="0" dirty="0">
                 <a:ln>
                   <a:noFill/>
                 </a:ln>
@@ -3876,8 +3903,136 @@
                 <a:latin typeface="JetBrains Mono"/>
               </a:rPr>
             </a:br>
-            <a:r>
-              <a:rPr kumimoji="0" lang="en-US" altLang="en-US" sz="2000" b="0" i="0" u="none" strike="noStrike" cap="none" normalizeH="0" baseline="0" dirty="0" smtClean="0">
+            <a:br>
+              <a:rPr kumimoji="0" lang="en-US" altLang="en-US" sz="2000" b="0" i="0" u="none" strike="noStrike" cap="none" normalizeH="0" baseline="0" dirty="0">
+                <a:ln>
+                  <a:noFill/>
+                </a:ln>
+                <a:solidFill>
+                  <a:srgbClr val="A9B7C6"/>
+                </a:solidFill>
+                <a:effectLst/>
+                <a:latin typeface="JetBrains Mono"/>
+              </a:rPr>
+            </a:br>
+            <a:r>
+              <a:rPr kumimoji="0" lang="en-US" altLang="en-US" sz="2000" b="0" i="0" u="none" strike="noStrike" cap="none" normalizeH="0" baseline="0" dirty="0">
+                <a:ln>
+                  <a:noFill/>
+                </a:ln>
+                <a:solidFill>
+                  <a:srgbClr val="A9B7C6"/>
+                </a:solidFill>
+                <a:effectLst/>
+                <a:latin typeface="JetBrains Mono"/>
+              </a:rPr>
+              <a:t>    </a:t>
+            </a:r>
+            <a:r>
+              <a:rPr kumimoji="0" lang="en-US" altLang="en-US" sz="2000" b="0" i="0" u="none" strike="noStrike" cap="none" normalizeH="0" baseline="0" dirty="0">
+                <a:ln>
+                  <a:noFill/>
+                </a:ln>
+                <a:solidFill>
+                  <a:srgbClr val="BBB529"/>
+                </a:solidFill>
+                <a:effectLst/>
+                <a:latin typeface="JetBrains Mono"/>
+              </a:rPr>
+              <a:t>@Value</a:t>
+            </a:r>
+            <a:r>
+              <a:rPr kumimoji="0" lang="en-US" altLang="en-US" sz="2000" b="0" i="0" u="none" strike="noStrike" cap="none" normalizeH="0" baseline="0" dirty="0">
+                <a:ln>
+                  <a:noFill/>
+                </a:ln>
+                <a:solidFill>
+                  <a:srgbClr val="A9B7C6"/>
+                </a:solidFill>
+                <a:effectLst/>
+                <a:latin typeface="JetBrains Mono"/>
+              </a:rPr>
+              <a:t>(</a:t>
+            </a:r>
+            <a:r>
+              <a:rPr kumimoji="0" lang="en-US" altLang="en-US" sz="2000" b="0" i="0" u="none" strike="noStrike" cap="none" normalizeH="0" baseline="0" dirty="0">
+                <a:ln>
+                  <a:noFill/>
+                </a:ln>
+                <a:solidFill>
+                  <a:srgbClr val="6A8759"/>
+                </a:solidFill>
+                <a:effectLst/>
+                <a:latin typeface="JetBrains Mono"/>
+              </a:rPr>
+              <a:t>"</a:t>
+            </a:r>
+            <a:r>
+              <a:rPr kumimoji="0" lang="en-US" altLang="en-US" sz="2000" b="0" i="0" u="none" strike="noStrike" cap="none" normalizeH="0" baseline="0" dirty="0" err="1">
+                <a:ln>
+                  <a:noFill/>
+                </a:ln>
+                <a:solidFill>
+                  <a:srgbClr val="6A8759"/>
+                </a:solidFill>
+                <a:effectLst/>
+                <a:latin typeface="JetBrains Mono"/>
+              </a:rPr>
+              <a:t>Barsik</a:t>
+            </a:r>
+            <a:r>
+              <a:rPr kumimoji="0" lang="en-US" altLang="en-US" sz="2000" b="0" i="0" u="none" strike="noStrike" cap="none" normalizeH="0" baseline="0" dirty="0">
+                <a:ln>
+                  <a:noFill/>
+                </a:ln>
+                <a:solidFill>
+                  <a:srgbClr val="6A8759"/>
+                </a:solidFill>
+                <a:effectLst/>
+                <a:latin typeface="JetBrains Mono"/>
+              </a:rPr>
+              <a:t>"</a:t>
+            </a:r>
+            <a:r>
+              <a:rPr kumimoji="0" lang="en-US" altLang="en-US" sz="2000" b="0" i="0" u="none" strike="noStrike" cap="none" normalizeH="0" baseline="0" dirty="0">
+                <a:ln>
+                  <a:noFill/>
+                </a:ln>
+                <a:solidFill>
+                  <a:srgbClr val="A9B7C6"/>
+                </a:solidFill>
+                <a:effectLst/>
+                <a:latin typeface="JetBrains Mono"/>
+              </a:rPr>
+              <a:t>)</a:t>
+            </a:r>
+            <a:br>
+              <a:rPr kumimoji="0" lang="en-US" altLang="en-US" sz="2000" b="0" i="0" u="none" strike="noStrike" cap="none" normalizeH="0" baseline="0" dirty="0">
+                <a:ln>
+                  <a:noFill/>
+                </a:ln>
+                <a:solidFill>
+                  <a:srgbClr val="A9B7C6"/>
+                </a:solidFill>
+                <a:effectLst/>
+                <a:latin typeface="JetBrains Mono"/>
+              </a:rPr>
+            </a:br>
+            <a:r>
+              <a:rPr kumimoji="0" lang="en-US" altLang="en-US" sz="2000" b="0" i="0" u="none" strike="noStrike" cap="none" normalizeH="0" baseline="0" dirty="0">
+                <a:ln>
+                  <a:noFill/>
+                </a:ln>
+                <a:solidFill>
+                  <a:srgbClr val="A9B7C6"/>
+                </a:solidFill>
+                <a:effectLst/>
+                <a:latin typeface="JetBrains Mono"/>
+              </a:rPr>
+              <a:t>    </a:t>
+            </a:r>
+            <a:r>
+              <a:rPr kumimoji="0" lang="en-US" altLang="en-US" sz="2000" b="0" i="0" u="none" strike="noStrike" cap="none" normalizeH="0" baseline="0" dirty="0">
                 <a:ln>
                   <a:noFill/>
                 </a:ln>
@@ -3887,10 +4042,61 @@
                 <a:effectLst/>
                 <a:latin typeface="JetBrains Mono"/>
               </a:rPr>
-              <a:t>    private </a:t>
-            </a:r>
-            <a:r>
-              <a:rPr kumimoji="0" lang="en-US" altLang="en-US" sz="2000" b="0" i="0" u="none" strike="noStrike" cap="none" normalizeH="0" baseline="0" dirty="0" err="1" smtClean="0">
+              <a:t>public void </a:t>
+            </a:r>
+            <a:r>
+              <a:rPr kumimoji="0" lang="en-US" altLang="en-US" sz="2000" b="0" i="0" u="none" strike="noStrike" cap="none" normalizeH="0" baseline="0" dirty="0" err="1">
+                <a:ln>
+                  <a:noFill/>
+                </a:ln>
+                <a:solidFill>
+                  <a:srgbClr val="FFC66D"/>
+                </a:solidFill>
+                <a:effectLst/>
+                <a:latin typeface="JetBrains Mono"/>
+              </a:rPr>
+              <a:t>setName</a:t>
+            </a:r>
+            <a:r>
+              <a:rPr kumimoji="0" lang="en-US" altLang="en-US" sz="2000" b="0" i="0" u="none" strike="noStrike" cap="none" normalizeH="0" baseline="0" dirty="0">
+                <a:ln>
+                  <a:noFill/>
+                </a:ln>
+                <a:solidFill>
+                  <a:srgbClr val="A9B7C6"/>
+                </a:solidFill>
+                <a:effectLst/>
+                <a:latin typeface="JetBrains Mono"/>
+              </a:rPr>
+              <a:t>(String name) {</a:t>
+            </a:r>
+            <a:br>
+              <a:rPr kumimoji="0" lang="en-US" altLang="en-US" sz="2000" b="0" i="0" u="none" strike="noStrike" cap="none" normalizeH="0" baseline="0" dirty="0">
+                <a:ln>
+                  <a:noFill/>
+                </a:ln>
+                <a:solidFill>
+                  <a:srgbClr val="A9B7C6"/>
+                </a:solidFill>
+                <a:effectLst/>
+                <a:latin typeface="JetBrains Mono"/>
+              </a:rPr>
+            </a:br>
+            <a:r>
+              <a:rPr kumimoji="0" lang="en-US" altLang="en-US" sz="2000" b="0" i="0" u="none" strike="noStrike" cap="none" normalizeH="0" baseline="0" dirty="0">
+                <a:ln>
+                  <a:noFill/>
+                </a:ln>
+                <a:solidFill>
+                  <a:srgbClr val="A9B7C6"/>
+                </a:solidFill>
+                <a:effectLst/>
+                <a:latin typeface="JetBrains Mono"/>
+              </a:rPr>
+              <a:t>        </a:t>
+            </a:r>
+            <a:r>
+              <a:rPr kumimoji="0" lang="en-US" altLang="en-US" sz="2000" b="0" i="0" u="none" strike="noStrike" cap="none" normalizeH="0" baseline="0" dirty="0">
                 <a:ln>
                   <a:noFill/>
                 </a:ln>
@@ -3900,10 +4106,49 @@
                 <a:effectLst/>
                 <a:latin typeface="JetBrains Mono"/>
               </a:rPr>
-              <a:t>int</a:t>
-            </a:r>
-            <a:r>
-              <a:rPr kumimoji="0" lang="en-US" altLang="en-US" sz="2000" b="0" i="0" u="none" strike="noStrike" cap="none" normalizeH="0" baseline="0" dirty="0" smtClean="0">
+              <a:t>this</a:t>
+            </a:r>
+            <a:r>
+              <a:rPr kumimoji="0" lang="en-US" altLang="en-US" sz="2000" b="0" i="0" u="none" strike="noStrike" cap="none" normalizeH="0" baseline="0" dirty="0">
+                <a:ln>
+                  <a:noFill/>
+                </a:ln>
+                <a:solidFill>
+                  <a:srgbClr val="A9B7C6"/>
+                </a:solidFill>
+                <a:effectLst/>
+                <a:latin typeface="JetBrains Mono"/>
+              </a:rPr>
+              <a:t>.</a:t>
+            </a:r>
+            <a:r>
+              <a:rPr kumimoji="0" lang="en-US" altLang="en-US" sz="2000" b="0" i="0" u="none" strike="noStrike" cap="none" normalizeH="0" baseline="0" dirty="0">
+                <a:ln>
+                  <a:noFill/>
+                </a:ln>
+                <a:solidFill>
+                  <a:srgbClr val="9876AA"/>
+                </a:solidFill>
+                <a:effectLst/>
+                <a:latin typeface="JetBrains Mono"/>
+              </a:rPr>
+              <a:t>name </a:t>
+            </a:r>
+            <a:r>
+              <a:rPr kumimoji="0" lang="en-US" altLang="en-US" sz="2000" b="0" i="0" u="none" strike="noStrike" cap="none" normalizeH="0" baseline="0" dirty="0">
+                <a:ln>
+                  <a:noFill/>
+                </a:ln>
+                <a:solidFill>
+                  <a:srgbClr val="A9B7C6"/>
+                </a:solidFill>
+                <a:effectLst/>
+                <a:latin typeface="JetBrains Mono"/>
+              </a:rPr>
+              <a:t>= name</a:t>
+            </a:r>
+            <a:r>
+              <a:rPr kumimoji="0" lang="en-US" altLang="en-US" sz="2000" b="0" i="0" u="none" strike="noStrike" cap="none" normalizeH="0" baseline="0" dirty="0">
                 <a:ln>
                   <a:noFill/>
                 </a:ln>
@@ -3913,23 +4158,10 @@
                 <a:effectLst/>
                 <a:latin typeface="JetBrains Mono"/>
               </a:rPr>
-              <a:t> </a:t>
-            </a:r>
-            <a:r>
-              <a:rPr kumimoji="0" lang="en-US" altLang="en-US" sz="2000" b="0" i="0" u="none" strike="noStrike" cap="none" normalizeH="0" baseline="0" dirty="0" smtClean="0">
-                <a:ln>
-                  <a:noFill/>
-                </a:ln>
-                <a:solidFill>
-                  <a:srgbClr val="9876AA"/>
-                </a:solidFill>
-                <a:effectLst/>
-                <a:latin typeface="JetBrains Mono"/>
-              </a:rPr>
-              <a:t>age</a:t>
-            </a:r>
-            <a:r>
-              <a:rPr kumimoji="0" lang="en-US" altLang="en-US" sz="2000" b="0" i="0" u="none" strike="noStrike" cap="none" normalizeH="0" baseline="0" dirty="0" smtClean="0">
+              <a:t>;</a:t>
+            </a:r>
+            <a:br>
+              <a:rPr kumimoji="0" lang="en-US" altLang="en-US" sz="2000" b="0" i="0" u="none" strike="noStrike" cap="none" normalizeH="0" baseline="0" dirty="0">
                 <a:ln>
                   <a:noFill/>
                 </a:ln>
@@ -3939,317 +4171,47 @@
                 <a:effectLst/>
                 <a:latin typeface="JetBrains Mono"/>
               </a:rPr>
-              <a:t>;</a:t>
+            </a:br>
+            <a:r>
+              <a:rPr kumimoji="0" lang="en-US" altLang="en-US" sz="2000" b="0" i="0" u="none" strike="noStrike" cap="none" normalizeH="0" baseline="0" dirty="0">
+                <a:ln>
+                  <a:noFill/>
+                </a:ln>
+                <a:solidFill>
+                  <a:srgbClr val="CC7832"/>
+                </a:solidFill>
+                <a:effectLst/>
+                <a:latin typeface="JetBrains Mono"/>
+              </a:rPr>
+              <a:t>    </a:t>
+            </a:r>
+            <a:r>
+              <a:rPr kumimoji="0" lang="en-US" altLang="en-US" sz="2000" b="0" i="0" u="none" strike="noStrike" cap="none" normalizeH="0" baseline="0" dirty="0">
+                <a:ln>
+                  <a:noFill/>
+                </a:ln>
+                <a:solidFill>
+                  <a:srgbClr val="A9B7C6"/>
+                </a:solidFill>
+                <a:effectLst/>
+                <a:latin typeface="JetBrains Mono"/>
+              </a:rPr>
+              <a:t>}</a:t>
             </a:r>
             <a:br>
-              <a:rPr kumimoji="0" lang="en-US" altLang="en-US" sz="2000" b="0" i="0" u="none" strike="noStrike" cap="none" normalizeH="0" baseline="0" dirty="0" smtClean="0">
-                <a:ln>
-                  <a:noFill/>
-                </a:ln>
-                <a:solidFill>
-                  <a:srgbClr val="CC7832"/>
+              <a:rPr kumimoji="0" lang="en-US" altLang="en-US" sz="2000" b="0" i="0" u="none" strike="noStrike" cap="none" normalizeH="0" baseline="0" dirty="0">
+                <a:ln>
+                  <a:noFill/>
+                </a:ln>
+                <a:solidFill>
+                  <a:srgbClr val="A9B7C6"/>
                 </a:solidFill>
                 <a:effectLst/>
                 <a:latin typeface="JetBrains Mono"/>
               </a:rPr>
             </a:br>
             <a:r>
-              <a:rPr kumimoji="0" lang="en-US" altLang="en-US" sz="2000" b="0" i="0" u="none" strike="noStrike" cap="none" normalizeH="0" baseline="0" dirty="0" smtClean="0">
-                <a:ln>
-                  <a:noFill/>
-                </a:ln>
-                <a:solidFill>
-                  <a:srgbClr val="A9B7C6"/>
-                </a:solidFill>
-                <a:effectLst/>
-                <a:latin typeface="JetBrains Mono"/>
-              </a:rPr>
-              <a:t/>
-            </a:r>
-            <a:br>
-              <a:rPr kumimoji="0" lang="en-US" altLang="en-US" sz="2000" b="0" i="0" u="none" strike="noStrike" cap="none" normalizeH="0" baseline="0" dirty="0" smtClean="0">
-                <a:ln>
-                  <a:noFill/>
-                </a:ln>
-                <a:solidFill>
-                  <a:srgbClr val="A9B7C6"/>
-                </a:solidFill>
-                <a:effectLst/>
-                <a:latin typeface="JetBrains Mono"/>
-              </a:rPr>
-            </a:br>
-            <a:r>
-              <a:rPr kumimoji="0" lang="en-US" altLang="en-US" sz="2000" b="0" i="0" u="none" strike="noStrike" cap="none" normalizeH="0" baseline="0" dirty="0" smtClean="0">
-                <a:ln>
-                  <a:noFill/>
-                </a:ln>
-                <a:solidFill>
-                  <a:srgbClr val="A9B7C6"/>
-                </a:solidFill>
-                <a:effectLst/>
-                <a:latin typeface="JetBrains Mono"/>
-              </a:rPr>
-              <a:t>    </a:t>
-            </a:r>
-            <a:r>
-              <a:rPr kumimoji="0" lang="en-US" altLang="en-US" sz="2000" b="0" i="0" u="none" strike="noStrike" cap="none" normalizeH="0" baseline="0" dirty="0" smtClean="0">
-                <a:ln>
-                  <a:noFill/>
-                </a:ln>
-                <a:solidFill>
-                  <a:srgbClr val="BBB529"/>
-                </a:solidFill>
-                <a:effectLst/>
-                <a:latin typeface="JetBrains Mono"/>
-              </a:rPr>
-              <a:t>@Value</a:t>
-            </a:r>
-            <a:r>
-              <a:rPr kumimoji="0" lang="en-US" altLang="en-US" sz="2000" b="0" i="0" u="none" strike="noStrike" cap="none" normalizeH="0" baseline="0" dirty="0" smtClean="0">
-                <a:ln>
-                  <a:noFill/>
-                </a:ln>
-                <a:solidFill>
-                  <a:srgbClr val="A9B7C6"/>
-                </a:solidFill>
-                <a:effectLst/>
-                <a:latin typeface="JetBrains Mono"/>
-              </a:rPr>
-              <a:t>(</a:t>
-            </a:r>
-            <a:r>
-              <a:rPr kumimoji="0" lang="en-US" altLang="en-US" sz="2000" b="0" i="0" u="none" strike="noStrike" cap="none" normalizeH="0" baseline="0" dirty="0" smtClean="0">
-                <a:ln>
-                  <a:noFill/>
-                </a:ln>
-                <a:solidFill>
-                  <a:srgbClr val="6A8759"/>
-                </a:solidFill>
-                <a:effectLst/>
-                <a:latin typeface="JetBrains Mono"/>
-              </a:rPr>
-              <a:t>"</a:t>
-            </a:r>
-            <a:r>
-              <a:rPr kumimoji="0" lang="en-US" altLang="en-US" sz="2000" b="0" i="0" u="none" strike="noStrike" cap="none" normalizeH="0" baseline="0" dirty="0" err="1" smtClean="0">
-                <a:ln>
-                  <a:noFill/>
-                </a:ln>
-                <a:solidFill>
-                  <a:srgbClr val="6A8759"/>
-                </a:solidFill>
-                <a:effectLst/>
-                <a:latin typeface="JetBrains Mono"/>
-              </a:rPr>
-              <a:t>Barsik</a:t>
-            </a:r>
-            <a:r>
-              <a:rPr kumimoji="0" lang="en-US" altLang="en-US" sz="2000" b="0" i="0" u="none" strike="noStrike" cap="none" normalizeH="0" baseline="0" dirty="0" smtClean="0">
-                <a:ln>
-                  <a:noFill/>
-                </a:ln>
-                <a:solidFill>
-                  <a:srgbClr val="6A8759"/>
-                </a:solidFill>
-                <a:effectLst/>
-                <a:latin typeface="JetBrains Mono"/>
-              </a:rPr>
-              <a:t>"</a:t>
-            </a:r>
-            <a:r>
-              <a:rPr kumimoji="0" lang="en-US" altLang="en-US" sz="2000" b="0" i="0" u="none" strike="noStrike" cap="none" normalizeH="0" baseline="0" dirty="0" smtClean="0">
-                <a:ln>
-                  <a:noFill/>
-                </a:ln>
-                <a:solidFill>
-                  <a:srgbClr val="A9B7C6"/>
-                </a:solidFill>
-                <a:effectLst/>
-                <a:latin typeface="JetBrains Mono"/>
-              </a:rPr>
-              <a:t>)</a:t>
-            </a:r>
-            <a:br>
-              <a:rPr kumimoji="0" lang="en-US" altLang="en-US" sz="2000" b="0" i="0" u="none" strike="noStrike" cap="none" normalizeH="0" baseline="0" dirty="0" smtClean="0">
-                <a:ln>
-                  <a:noFill/>
-                </a:ln>
-                <a:solidFill>
-                  <a:srgbClr val="A9B7C6"/>
-                </a:solidFill>
-                <a:effectLst/>
-                <a:latin typeface="JetBrains Mono"/>
-              </a:rPr>
-            </a:br>
-            <a:r>
-              <a:rPr kumimoji="0" lang="en-US" altLang="en-US" sz="2000" b="0" i="0" u="none" strike="noStrike" cap="none" normalizeH="0" baseline="0" dirty="0" smtClean="0">
-                <a:ln>
-                  <a:noFill/>
-                </a:ln>
-                <a:solidFill>
-                  <a:srgbClr val="A9B7C6"/>
-                </a:solidFill>
-                <a:effectLst/>
-                <a:latin typeface="JetBrains Mono"/>
-              </a:rPr>
-              <a:t>    </a:t>
-            </a:r>
-            <a:r>
-              <a:rPr kumimoji="0" lang="en-US" altLang="en-US" sz="2000" b="0" i="0" u="none" strike="noStrike" cap="none" normalizeH="0" baseline="0" dirty="0" smtClean="0">
-                <a:ln>
-                  <a:noFill/>
-                </a:ln>
-                <a:solidFill>
-                  <a:srgbClr val="CC7832"/>
-                </a:solidFill>
-                <a:effectLst/>
-                <a:latin typeface="JetBrains Mono"/>
-              </a:rPr>
-              <a:t>public void </a:t>
-            </a:r>
-            <a:r>
-              <a:rPr kumimoji="0" lang="en-US" altLang="en-US" sz="2000" b="0" i="0" u="none" strike="noStrike" cap="none" normalizeH="0" baseline="0" dirty="0" err="1" smtClean="0">
-                <a:ln>
-                  <a:noFill/>
-                </a:ln>
-                <a:solidFill>
-                  <a:srgbClr val="FFC66D"/>
-                </a:solidFill>
-                <a:effectLst/>
-                <a:latin typeface="JetBrains Mono"/>
-              </a:rPr>
-              <a:t>setName</a:t>
-            </a:r>
-            <a:r>
-              <a:rPr kumimoji="0" lang="en-US" altLang="en-US" sz="2000" b="0" i="0" u="none" strike="noStrike" cap="none" normalizeH="0" baseline="0" dirty="0" smtClean="0">
-                <a:ln>
-                  <a:noFill/>
-                </a:ln>
-                <a:solidFill>
-                  <a:srgbClr val="A9B7C6"/>
-                </a:solidFill>
-                <a:effectLst/>
-                <a:latin typeface="JetBrains Mono"/>
-              </a:rPr>
-              <a:t>(String name) {</a:t>
-            </a:r>
-            <a:br>
-              <a:rPr kumimoji="0" lang="en-US" altLang="en-US" sz="2000" b="0" i="0" u="none" strike="noStrike" cap="none" normalizeH="0" baseline="0" dirty="0" smtClean="0">
-                <a:ln>
-                  <a:noFill/>
-                </a:ln>
-                <a:solidFill>
-                  <a:srgbClr val="A9B7C6"/>
-                </a:solidFill>
-                <a:effectLst/>
-                <a:latin typeface="JetBrains Mono"/>
-              </a:rPr>
-            </a:br>
-            <a:r>
-              <a:rPr kumimoji="0" lang="en-US" altLang="en-US" sz="2000" b="0" i="0" u="none" strike="noStrike" cap="none" normalizeH="0" baseline="0" dirty="0" smtClean="0">
-                <a:ln>
-                  <a:noFill/>
-                </a:ln>
-                <a:solidFill>
-                  <a:srgbClr val="A9B7C6"/>
-                </a:solidFill>
-                <a:effectLst/>
-                <a:latin typeface="JetBrains Mono"/>
-              </a:rPr>
-              <a:t>        </a:t>
-            </a:r>
-            <a:r>
-              <a:rPr kumimoji="0" lang="en-US" altLang="en-US" sz="2000" b="0" i="0" u="none" strike="noStrike" cap="none" normalizeH="0" baseline="0" dirty="0" smtClean="0">
-                <a:ln>
-                  <a:noFill/>
-                </a:ln>
-                <a:solidFill>
-                  <a:srgbClr val="CC7832"/>
-                </a:solidFill>
-                <a:effectLst/>
-                <a:latin typeface="JetBrains Mono"/>
-              </a:rPr>
-              <a:t>this</a:t>
-            </a:r>
-            <a:r>
-              <a:rPr kumimoji="0" lang="en-US" altLang="en-US" sz="2000" b="0" i="0" u="none" strike="noStrike" cap="none" normalizeH="0" baseline="0" dirty="0" smtClean="0">
-                <a:ln>
-                  <a:noFill/>
-                </a:ln>
-                <a:solidFill>
-                  <a:srgbClr val="A9B7C6"/>
-                </a:solidFill>
-                <a:effectLst/>
-                <a:latin typeface="JetBrains Mono"/>
-              </a:rPr>
-              <a:t>.</a:t>
-            </a:r>
-            <a:r>
-              <a:rPr kumimoji="0" lang="en-US" altLang="en-US" sz="2000" b="0" i="0" u="none" strike="noStrike" cap="none" normalizeH="0" baseline="0" dirty="0" smtClean="0">
-                <a:ln>
-                  <a:noFill/>
-                </a:ln>
-                <a:solidFill>
-                  <a:srgbClr val="9876AA"/>
-                </a:solidFill>
-                <a:effectLst/>
-                <a:latin typeface="JetBrains Mono"/>
-              </a:rPr>
-              <a:t>name </a:t>
-            </a:r>
-            <a:r>
-              <a:rPr kumimoji="0" lang="en-US" altLang="en-US" sz="2000" b="0" i="0" u="none" strike="noStrike" cap="none" normalizeH="0" baseline="0" dirty="0" smtClean="0">
-                <a:ln>
-                  <a:noFill/>
-                </a:ln>
-                <a:solidFill>
-                  <a:srgbClr val="A9B7C6"/>
-                </a:solidFill>
-                <a:effectLst/>
-                <a:latin typeface="JetBrains Mono"/>
-              </a:rPr>
-              <a:t>= name</a:t>
-            </a:r>
-            <a:r>
-              <a:rPr kumimoji="0" lang="en-US" altLang="en-US" sz="2000" b="0" i="0" u="none" strike="noStrike" cap="none" normalizeH="0" baseline="0" dirty="0" smtClean="0">
-                <a:ln>
-                  <a:noFill/>
-                </a:ln>
-                <a:solidFill>
-                  <a:srgbClr val="CC7832"/>
-                </a:solidFill>
-                <a:effectLst/>
-                <a:latin typeface="JetBrains Mono"/>
-              </a:rPr>
-              <a:t>;</a:t>
-            </a:r>
-            <a:br>
-              <a:rPr kumimoji="0" lang="en-US" altLang="en-US" sz="2000" b="0" i="0" u="none" strike="noStrike" cap="none" normalizeH="0" baseline="0" dirty="0" smtClean="0">
-                <a:ln>
-                  <a:noFill/>
-                </a:ln>
-                <a:solidFill>
-                  <a:srgbClr val="CC7832"/>
-                </a:solidFill>
-                <a:effectLst/>
-                <a:latin typeface="JetBrains Mono"/>
-              </a:rPr>
-            </a:br>
-            <a:r>
-              <a:rPr kumimoji="0" lang="en-US" altLang="en-US" sz="2000" b="0" i="0" u="none" strike="noStrike" cap="none" normalizeH="0" baseline="0" dirty="0" smtClean="0">
-                <a:ln>
-                  <a:noFill/>
-                </a:ln>
-                <a:solidFill>
-                  <a:srgbClr val="CC7832"/>
-                </a:solidFill>
-                <a:effectLst/>
-                <a:latin typeface="JetBrains Mono"/>
-              </a:rPr>
-              <a:t>    </a:t>
-            </a:r>
-            <a:r>
-              <a:rPr kumimoji="0" lang="en-US" altLang="en-US" sz="2000" b="0" i="0" u="none" strike="noStrike" cap="none" normalizeH="0" baseline="0" dirty="0" smtClean="0">
+              <a:rPr kumimoji="0" lang="en-US" altLang="en-US" sz="2000" b="0" i="0" u="none" strike="noStrike" cap="none" normalizeH="0" baseline="0" dirty="0">
                 <a:ln>
                   <a:noFill/>
                 </a:ln>
@@ -4261,378 +4223,7 @@
               </a:rPr>
               <a:t>}</a:t>
             </a:r>
-            <a:br>
-              <a:rPr kumimoji="0" lang="en-US" altLang="en-US" sz="2000" b="0" i="0" u="none" strike="noStrike" cap="none" normalizeH="0" baseline="0" dirty="0" smtClean="0">
-                <a:ln>
-                  <a:noFill/>
-                </a:ln>
-                <a:solidFill>
-                  <a:srgbClr val="A9B7C6"/>
-                </a:solidFill>
-                <a:effectLst/>
-                <a:latin typeface="JetBrains Mono"/>
-              </a:rPr>
-            </a:br>
-            <a:r>
-              <a:rPr kumimoji="0" lang="en-US" altLang="en-US" sz="2000" b="0" i="0" u="none" strike="noStrike" cap="none" normalizeH="0" baseline="0" dirty="0" smtClean="0">
-                <a:ln>
-                  <a:noFill/>
-                </a:ln>
-                <a:solidFill>
-                  <a:srgbClr val="A9B7C6"/>
-                </a:solidFill>
-                <a:effectLst/>
-                <a:latin typeface="JetBrains Mono"/>
-              </a:rPr>
-              <a:t/>
-            </a:r>
-            <a:br>
-              <a:rPr kumimoji="0" lang="en-US" altLang="en-US" sz="2000" b="0" i="0" u="none" strike="noStrike" cap="none" normalizeH="0" baseline="0" dirty="0" smtClean="0">
-                <a:ln>
-                  <a:noFill/>
-                </a:ln>
-                <a:solidFill>
-                  <a:srgbClr val="A9B7C6"/>
-                </a:solidFill>
-                <a:effectLst/>
-                <a:latin typeface="JetBrains Mono"/>
-              </a:rPr>
-            </a:br>
-            <a:r>
-              <a:rPr kumimoji="0" lang="en-US" altLang="en-US" sz="2000" b="0" i="0" u="none" strike="noStrike" cap="none" normalizeH="0" baseline="0" dirty="0" smtClean="0">
-                <a:ln>
-                  <a:noFill/>
-                </a:ln>
-                <a:solidFill>
-                  <a:srgbClr val="A9B7C6"/>
-                </a:solidFill>
-                <a:effectLst/>
-                <a:latin typeface="JetBrains Mono"/>
-              </a:rPr>
-              <a:t>    </a:t>
-            </a:r>
-            <a:r>
-              <a:rPr kumimoji="0" lang="en-US" altLang="en-US" sz="2000" b="0" i="0" u="none" strike="noStrike" cap="none" normalizeH="0" baseline="0" dirty="0" smtClean="0">
-                <a:ln>
-                  <a:noFill/>
-                </a:ln>
-                <a:solidFill>
-                  <a:srgbClr val="BBB529"/>
-                </a:solidFill>
-                <a:effectLst/>
-                <a:latin typeface="JetBrains Mono"/>
-              </a:rPr>
-              <a:t>@Value</a:t>
-            </a:r>
-            <a:r>
-              <a:rPr kumimoji="0" lang="en-US" altLang="en-US" sz="2000" b="0" i="0" u="none" strike="noStrike" cap="none" normalizeH="0" baseline="0" dirty="0" smtClean="0">
-                <a:ln>
-                  <a:noFill/>
-                </a:ln>
-                <a:solidFill>
-                  <a:srgbClr val="A9B7C6"/>
-                </a:solidFill>
-                <a:effectLst/>
-                <a:latin typeface="JetBrains Mono"/>
-              </a:rPr>
-              <a:t>(</a:t>
-            </a:r>
-            <a:r>
-              <a:rPr kumimoji="0" lang="en-US" altLang="en-US" sz="2000" b="0" i="0" u="none" strike="noStrike" cap="none" normalizeH="0" baseline="0" dirty="0" smtClean="0">
-                <a:ln>
-                  <a:noFill/>
-                </a:ln>
-                <a:solidFill>
-                  <a:srgbClr val="6A8759"/>
-                </a:solidFill>
-                <a:effectLst/>
-                <a:latin typeface="JetBrains Mono"/>
-              </a:rPr>
-              <a:t>"1"</a:t>
-            </a:r>
-            <a:r>
-              <a:rPr kumimoji="0" lang="en-US" altLang="en-US" sz="2000" b="0" i="0" u="none" strike="noStrike" cap="none" normalizeH="0" baseline="0" dirty="0" smtClean="0">
-                <a:ln>
-                  <a:noFill/>
-                </a:ln>
-                <a:solidFill>
-                  <a:srgbClr val="A9B7C6"/>
-                </a:solidFill>
-                <a:effectLst/>
-                <a:latin typeface="JetBrains Mono"/>
-              </a:rPr>
-              <a:t>)</a:t>
-            </a:r>
-            <a:br>
-              <a:rPr kumimoji="0" lang="en-US" altLang="en-US" sz="2000" b="0" i="0" u="none" strike="noStrike" cap="none" normalizeH="0" baseline="0" dirty="0" smtClean="0">
-                <a:ln>
-                  <a:noFill/>
-                </a:ln>
-                <a:solidFill>
-                  <a:srgbClr val="A9B7C6"/>
-                </a:solidFill>
-                <a:effectLst/>
-                <a:latin typeface="JetBrains Mono"/>
-              </a:rPr>
-            </a:br>
-            <a:r>
-              <a:rPr kumimoji="0" lang="en-US" altLang="en-US" sz="2000" b="0" i="0" u="none" strike="noStrike" cap="none" normalizeH="0" baseline="0" dirty="0" smtClean="0">
-                <a:ln>
-                  <a:noFill/>
-                </a:ln>
-                <a:solidFill>
-                  <a:srgbClr val="A9B7C6"/>
-                </a:solidFill>
-                <a:effectLst/>
-                <a:latin typeface="JetBrains Mono"/>
-              </a:rPr>
-              <a:t>    </a:t>
-            </a:r>
-            <a:r>
-              <a:rPr kumimoji="0" lang="en-US" altLang="en-US" sz="2000" b="0" i="0" u="none" strike="noStrike" cap="none" normalizeH="0" baseline="0" dirty="0" smtClean="0">
-                <a:ln>
-                  <a:noFill/>
-                </a:ln>
-                <a:solidFill>
-                  <a:srgbClr val="CC7832"/>
-                </a:solidFill>
-                <a:effectLst/>
-                <a:latin typeface="JetBrains Mono"/>
-              </a:rPr>
-              <a:t>public void </a:t>
-            </a:r>
-            <a:r>
-              <a:rPr kumimoji="0" lang="en-US" altLang="en-US" sz="2000" b="0" i="0" u="none" strike="noStrike" cap="none" normalizeH="0" baseline="0" dirty="0" err="1" smtClean="0">
-                <a:ln>
-                  <a:noFill/>
-                </a:ln>
-                <a:solidFill>
-                  <a:srgbClr val="FFC66D"/>
-                </a:solidFill>
-                <a:effectLst/>
-                <a:latin typeface="JetBrains Mono"/>
-              </a:rPr>
-              <a:t>setAge</a:t>
-            </a:r>
-            <a:r>
-              <a:rPr kumimoji="0" lang="en-US" altLang="en-US" sz="2000" b="0" i="0" u="none" strike="noStrike" cap="none" normalizeH="0" baseline="0" dirty="0" smtClean="0">
-                <a:ln>
-                  <a:noFill/>
-                </a:ln>
-                <a:solidFill>
-                  <a:srgbClr val="A9B7C6"/>
-                </a:solidFill>
-                <a:effectLst/>
-                <a:latin typeface="JetBrains Mono"/>
-              </a:rPr>
-              <a:t>(</a:t>
-            </a:r>
-            <a:r>
-              <a:rPr kumimoji="0" lang="en-US" altLang="en-US" sz="2000" b="0" i="0" u="none" strike="noStrike" cap="none" normalizeH="0" baseline="0" dirty="0" err="1" smtClean="0">
-                <a:ln>
-                  <a:noFill/>
-                </a:ln>
-                <a:solidFill>
-                  <a:srgbClr val="CC7832"/>
-                </a:solidFill>
-                <a:effectLst/>
-                <a:latin typeface="JetBrains Mono"/>
-              </a:rPr>
-              <a:t>int</a:t>
-            </a:r>
-            <a:r>
-              <a:rPr kumimoji="0" lang="en-US" altLang="en-US" sz="2000" b="0" i="0" u="none" strike="noStrike" cap="none" normalizeH="0" baseline="0" dirty="0" smtClean="0">
-                <a:ln>
-                  <a:noFill/>
-                </a:ln>
-                <a:solidFill>
-                  <a:srgbClr val="CC7832"/>
-                </a:solidFill>
-                <a:effectLst/>
-                <a:latin typeface="JetBrains Mono"/>
-              </a:rPr>
-              <a:t> </a:t>
-            </a:r>
-            <a:r>
-              <a:rPr kumimoji="0" lang="en-US" altLang="en-US" sz="2000" b="0" i="0" u="none" strike="noStrike" cap="none" normalizeH="0" baseline="0" dirty="0" smtClean="0">
-                <a:ln>
-                  <a:noFill/>
-                </a:ln>
-                <a:solidFill>
-                  <a:srgbClr val="A9B7C6"/>
-                </a:solidFill>
-                <a:effectLst/>
-                <a:latin typeface="JetBrains Mono"/>
-              </a:rPr>
-              <a:t>age) {</a:t>
-            </a:r>
-            <a:br>
-              <a:rPr kumimoji="0" lang="en-US" altLang="en-US" sz="2000" b="0" i="0" u="none" strike="noStrike" cap="none" normalizeH="0" baseline="0" dirty="0" smtClean="0">
-                <a:ln>
-                  <a:noFill/>
-                </a:ln>
-                <a:solidFill>
-                  <a:srgbClr val="A9B7C6"/>
-                </a:solidFill>
-                <a:effectLst/>
-                <a:latin typeface="JetBrains Mono"/>
-              </a:rPr>
-            </a:br>
-            <a:r>
-              <a:rPr kumimoji="0" lang="en-US" altLang="en-US" sz="2000" b="0" i="0" u="none" strike="noStrike" cap="none" normalizeH="0" baseline="0" dirty="0" smtClean="0">
-                <a:ln>
-                  <a:noFill/>
-                </a:ln>
-                <a:solidFill>
-                  <a:srgbClr val="A9B7C6"/>
-                </a:solidFill>
-                <a:effectLst/>
-                <a:latin typeface="JetBrains Mono"/>
-              </a:rPr>
-              <a:t>        </a:t>
-            </a:r>
-            <a:r>
-              <a:rPr kumimoji="0" lang="en-US" altLang="en-US" sz="2000" b="0" i="0" u="none" strike="noStrike" cap="none" normalizeH="0" baseline="0" dirty="0" err="1" smtClean="0">
-                <a:ln>
-                  <a:noFill/>
-                </a:ln>
-                <a:solidFill>
-                  <a:srgbClr val="CC7832"/>
-                </a:solidFill>
-                <a:effectLst/>
-                <a:latin typeface="JetBrains Mono"/>
-              </a:rPr>
-              <a:t>this</a:t>
-            </a:r>
-            <a:r>
-              <a:rPr kumimoji="0" lang="en-US" altLang="en-US" sz="2000" b="0" i="0" u="none" strike="noStrike" cap="none" normalizeH="0" baseline="0" dirty="0" err="1" smtClean="0">
-                <a:ln>
-                  <a:noFill/>
-                </a:ln>
-                <a:solidFill>
-                  <a:srgbClr val="A9B7C6"/>
-                </a:solidFill>
-                <a:effectLst/>
-                <a:latin typeface="JetBrains Mono"/>
-              </a:rPr>
-              <a:t>.</a:t>
-            </a:r>
-            <a:r>
-              <a:rPr kumimoji="0" lang="en-US" altLang="en-US" sz="2000" b="0" i="0" u="none" strike="noStrike" cap="none" normalizeH="0" baseline="0" dirty="0" err="1" smtClean="0">
-                <a:ln>
-                  <a:noFill/>
-                </a:ln>
-                <a:solidFill>
-                  <a:srgbClr val="9876AA"/>
-                </a:solidFill>
-                <a:effectLst/>
-                <a:latin typeface="JetBrains Mono"/>
-              </a:rPr>
-              <a:t>age</a:t>
-            </a:r>
-            <a:r>
-              <a:rPr kumimoji="0" lang="en-US" altLang="en-US" sz="2000" b="0" i="0" u="none" strike="noStrike" cap="none" normalizeH="0" baseline="0" dirty="0" smtClean="0">
-                <a:ln>
-                  <a:noFill/>
-                </a:ln>
-                <a:solidFill>
-                  <a:srgbClr val="9876AA"/>
-                </a:solidFill>
-                <a:effectLst/>
-                <a:latin typeface="JetBrains Mono"/>
-              </a:rPr>
-              <a:t> </a:t>
-            </a:r>
-            <a:r>
-              <a:rPr kumimoji="0" lang="en-US" altLang="en-US" sz="2000" b="0" i="0" u="none" strike="noStrike" cap="none" normalizeH="0" baseline="0" dirty="0" smtClean="0">
-                <a:ln>
-                  <a:noFill/>
-                </a:ln>
-                <a:solidFill>
-                  <a:srgbClr val="A9B7C6"/>
-                </a:solidFill>
-                <a:effectLst/>
-                <a:latin typeface="JetBrains Mono"/>
-              </a:rPr>
-              <a:t>= age</a:t>
-            </a:r>
-            <a:r>
-              <a:rPr kumimoji="0" lang="en-US" altLang="en-US" sz="2000" b="0" i="0" u="none" strike="noStrike" cap="none" normalizeH="0" baseline="0" dirty="0" smtClean="0">
-                <a:ln>
-                  <a:noFill/>
-                </a:ln>
-                <a:solidFill>
-                  <a:srgbClr val="CC7832"/>
-                </a:solidFill>
-                <a:effectLst/>
-                <a:latin typeface="JetBrains Mono"/>
-              </a:rPr>
-              <a:t>;</a:t>
-            </a:r>
-            <a:br>
-              <a:rPr kumimoji="0" lang="en-US" altLang="en-US" sz="2000" b="0" i="0" u="none" strike="noStrike" cap="none" normalizeH="0" baseline="0" dirty="0" smtClean="0">
-                <a:ln>
-                  <a:noFill/>
-                </a:ln>
-                <a:solidFill>
-                  <a:srgbClr val="CC7832"/>
-                </a:solidFill>
-                <a:effectLst/>
-                <a:latin typeface="JetBrains Mono"/>
-              </a:rPr>
-            </a:br>
-            <a:r>
-              <a:rPr kumimoji="0" lang="en-US" altLang="en-US" sz="2000" b="0" i="0" u="none" strike="noStrike" cap="none" normalizeH="0" baseline="0" dirty="0" smtClean="0">
-                <a:ln>
-                  <a:noFill/>
-                </a:ln>
-                <a:solidFill>
-                  <a:srgbClr val="CC7832"/>
-                </a:solidFill>
-                <a:effectLst/>
-                <a:latin typeface="JetBrains Mono"/>
-              </a:rPr>
-              <a:t>    </a:t>
-            </a:r>
-            <a:r>
-              <a:rPr kumimoji="0" lang="en-US" altLang="en-US" sz="2000" b="0" i="0" u="none" strike="noStrike" cap="none" normalizeH="0" baseline="0" dirty="0" smtClean="0">
-                <a:ln>
-                  <a:noFill/>
-                </a:ln>
-                <a:solidFill>
-                  <a:srgbClr val="A9B7C6"/>
-                </a:solidFill>
-                <a:effectLst/>
-                <a:latin typeface="JetBrains Mono"/>
-              </a:rPr>
-              <a:t>}</a:t>
-            </a:r>
-            <a:br>
-              <a:rPr kumimoji="0" lang="en-US" altLang="en-US" sz="2000" b="0" i="0" u="none" strike="noStrike" cap="none" normalizeH="0" baseline="0" dirty="0" smtClean="0">
-                <a:ln>
-                  <a:noFill/>
-                </a:ln>
-                <a:solidFill>
-                  <a:srgbClr val="A9B7C6"/>
-                </a:solidFill>
-                <a:effectLst/>
-                <a:latin typeface="JetBrains Mono"/>
-              </a:rPr>
-            </a:br>
-            <a:r>
-              <a:rPr kumimoji="0" lang="en-US" altLang="en-US" sz="2000" b="0" i="0" u="none" strike="noStrike" cap="none" normalizeH="0" baseline="0" dirty="0" smtClean="0">
-                <a:ln>
-                  <a:noFill/>
-                </a:ln>
-                <a:solidFill>
-                  <a:srgbClr val="A9B7C6"/>
-                </a:solidFill>
-                <a:effectLst/>
-                <a:latin typeface="JetBrains Mono"/>
-              </a:rPr>
-              <a:t>}</a:t>
-            </a:r>
-            <a:endParaRPr kumimoji="0" lang="en-US" altLang="en-US" sz="2000" b="0" i="0" u="none" strike="noStrike" cap="none" normalizeH="0" baseline="0" dirty="0" smtClean="0">
+            <a:endParaRPr kumimoji="0" lang="en-US" altLang="en-US" sz="2000" b="0" i="0" u="none" strike="noStrike" cap="none" normalizeH="0" baseline="0" dirty="0">
               <a:ln>
                 <a:noFill/>
               </a:ln>
@@ -4716,7 +4307,7 @@
               <a:tabLst/>
             </a:pPr>
             <a:r>
-              <a:rPr kumimoji="0" lang="en-US" altLang="en-US" sz="2000" b="0" i="0" u="none" strike="noStrike" cap="none" normalizeH="0" baseline="0" dirty="0" smtClean="0">
+              <a:rPr kumimoji="0" lang="en-US" altLang="en-US" sz="2000" b="0" i="0" u="none" strike="noStrike" cap="none" normalizeH="0" baseline="0" dirty="0">
                 <a:ln>
                   <a:noFill/>
                 </a:ln>
@@ -4729,7 +4320,7 @@
               <a:t>&lt;bean </a:t>
             </a:r>
             <a:r>
-              <a:rPr kumimoji="0" lang="en-US" altLang="en-US" sz="2000" b="0" i="0" u="none" strike="noStrike" cap="none" normalizeH="0" baseline="0" dirty="0" smtClean="0">
+              <a:rPr kumimoji="0" lang="en-US" altLang="en-US" sz="2000" b="0" i="0" u="none" strike="noStrike" cap="none" normalizeH="0" baseline="0" dirty="0">
                 <a:ln>
                   <a:noFill/>
                 </a:ln>
@@ -4742,7 +4333,7 @@
               <a:t>name</a:t>
             </a:r>
             <a:r>
-              <a:rPr kumimoji="0" lang="en-US" altLang="en-US" sz="2000" b="0" i="0" u="none" strike="noStrike" cap="none" normalizeH="0" baseline="0" dirty="0" smtClean="0">
+              <a:rPr kumimoji="0" lang="en-US" altLang="en-US" sz="2000" b="0" i="0" u="none" strike="noStrike" cap="none" normalizeH="0" baseline="0" dirty="0">
                 <a:ln>
                   <a:noFill/>
                 </a:ln>
@@ -4755,7 +4346,7 @@
               <a:t>="cat" </a:t>
             </a:r>
             <a:r>
-              <a:rPr kumimoji="0" lang="en-US" altLang="en-US" sz="2000" b="0" i="0" u="none" strike="noStrike" cap="none" normalizeH="0" baseline="0" dirty="0" smtClean="0">
+              <a:rPr kumimoji="0" lang="en-US" altLang="en-US" sz="2000" b="0" i="0" u="none" strike="noStrike" cap="none" normalizeH="0" baseline="0" dirty="0">
                 <a:ln>
                   <a:noFill/>
                 </a:ln>
@@ -4768,7 +4359,7 @@
               <a:t>class</a:t>
             </a:r>
             <a:r>
-              <a:rPr kumimoji="0" lang="en-US" altLang="en-US" sz="2000" b="0" i="0" u="none" strike="noStrike" cap="none" normalizeH="0" baseline="0" dirty="0" smtClean="0">
+              <a:rPr kumimoji="0" lang="en-US" altLang="en-US" sz="2000" b="0" i="0" u="none" strike="noStrike" cap="none" normalizeH="0" baseline="0" dirty="0">
                 <a:ln>
                   <a:noFill/>
                 </a:ln>
@@ -4781,7 +4372,7 @@
               <a:t>="com.volkov.IoC.example20.Cat" </a:t>
             </a:r>
             <a:r>
-              <a:rPr kumimoji="0" lang="en-US" altLang="en-US" sz="2000" b="0" i="0" u="none" strike="noStrike" cap="none" normalizeH="0" baseline="0" dirty="0" smtClean="0">
+              <a:rPr kumimoji="0" lang="en-US" altLang="en-US" sz="2000" b="0" i="0" u="none" strike="noStrike" cap="none" normalizeH="0" baseline="0" dirty="0">
                 <a:ln>
                   <a:noFill/>
                 </a:ln>
@@ -4794,7 +4385,7 @@
               <a:t>p</a:t>
             </a:r>
             <a:r>
-              <a:rPr kumimoji="0" lang="en-US" altLang="en-US" sz="2000" b="0" i="0" u="none" strike="noStrike" cap="none" normalizeH="0" baseline="0" dirty="0" smtClean="0">
+              <a:rPr kumimoji="0" lang="en-US" altLang="en-US" sz="2000" b="0" i="0" u="none" strike="noStrike" cap="none" normalizeH="0" baseline="0" dirty="0">
                 <a:ln>
                   <a:noFill/>
                 </a:ln>
@@ -4807,7 +4398,7 @@
               <a:t>:name</a:t>
             </a:r>
             <a:r>
-              <a:rPr kumimoji="0" lang="en-US" altLang="en-US" sz="2000" b="0" i="0" u="none" strike="noStrike" cap="none" normalizeH="0" baseline="0" dirty="0" smtClean="0">
+              <a:rPr kumimoji="0" lang="en-US" altLang="en-US" sz="2000" b="0" i="0" u="none" strike="noStrike" cap="none" normalizeH="0" baseline="0" dirty="0">
                 <a:ln>
                   <a:noFill/>
                 </a:ln>
@@ -4820,7 +4411,7 @@
               <a:t>="Barsik"</a:t>
             </a:r>
             <a:r>
-              <a:rPr kumimoji="0" lang="en-US" altLang="en-US" sz="2000" b="0" i="0" u="none" strike="noStrike" cap="none" normalizeH="0" baseline="0" dirty="0" smtClean="0">
+              <a:rPr kumimoji="0" lang="en-US" altLang="en-US" sz="2000" b="0" i="0" u="none" strike="noStrike" cap="none" normalizeH="0" baseline="0" dirty="0">
                 <a:ln>
                   <a:noFill/>
                 </a:ln>
@@ -4832,7 +4423,7 @@
               </a:rPr>
               <a:t>/&gt;</a:t>
             </a:r>
-            <a:endParaRPr kumimoji="0" lang="en-US" altLang="en-US" sz="2000" b="0" i="0" u="none" strike="noStrike" cap="none" normalizeH="0" baseline="0" dirty="0" smtClean="0">
+            <a:endParaRPr kumimoji="0" lang="en-US" altLang="en-US" sz="2000" b="0" i="0" u="none" strike="noStrike" cap="none" normalizeH="0" baseline="0" dirty="0">
               <a:ln>
                 <a:noFill/>
               </a:ln>
@@ -4946,7 +4537,7 @@
               <a:tabLst/>
             </a:pPr>
             <a:r>
-              <a:rPr kumimoji="0" lang="en-US" altLang="en-US" sz="2000" b="0" i="0" u="none" strike="noStrike" cap="none" normalizeH="0" baseline="0" dirty="0" smtClean="0">
+              <a:rPr kumimoji="0" lang="en-US" altLang="en-US" sz="2000" b="0" i="0" u="none" strike="noStrike" cap="none" normalizeH="0" baseline="0" dirty="0">
                 <a:ln>
                   <a:noFill/>
                 </a:ln>
@@ -4959,7 +4550,7 @@
               <a:t>&lt;bean </a:t>
             </a:r>
             <a:r>
-              <a:rPr kumimoji="0" lang="en-US" altLang="en-US" sz="2000" b="0" i="0" u="none" strike="noStrike" cap="none" normalizeH="0" baseline="0" dirty="0" smtClean="0">
+              <a:rPr kumimoji="0" lang="en-US" altLang="en-US" sz="2000" b="0" i="0" u="none" strike="noStrike" cap="none" normalizeH="0" baseline="0" dirty="0">
                 <a:ln>
                   <a:noFill/>
                 </a:ln>
@@ -4972,7 +4563,7 @@
               <a:t>name</a:t>
             </a:r>
             <a:r>
-              <a:rPr kumimoji="0" lang="en-US" altLang="en-US" sz="2000" b="0" i="0" u="none" strike="noStrike" cap="none" normalizeH="0" baseline="0" dirty="0" smtClean="0">
+              <a:rPr kumimoji="0" lang="en-US" altLang="en-US" sz="2000" b="0" i="0" u="none" strike="noStrike" cap="none" normalizeH="0" baseline="0" dirty="0">
                 <a:ln>
                   <a:noFill/>
                 </a:ln>
@@ -4985,7 +4576,7 @@
               <a:t>="person" </a:t>
             </a:r>
             <a:r>
-              <a:rPr kumimoji="0" lang="en-US" altLang="en-US" sz="2000" b="0" i="0" u="none" strike="noStrike" cap="none" normalizeH="0" baseline="0" dirty="0" smtClean="0">
+              <a:rPr kumimoji="0" lang="en-US" altLang="en-US" sz="2000" b="0" i="0" u="none" strike="noStrike" cap="none" normalizeH="0" baseline="0" dirty="0">
                 <a:ln>
                   <a:noFill/>
                 </a:ln>
@@ -4998,7 +4589,7 @@
               <a:t>class</a:t>
             </a:r>
             <a:r>
-              <a:rPr kumimoji="0" lang="en-US" altLang="en-US" sz="2000" b="0" i="0" u="none" strike="noStrike" cap="none" normalizeH="0" baseline="0" dirty="0" smtClean="0">
+              <a:rPr kumimoji="0" lang="en-US" altLang="en-US" sz="2000" b="0" i="0" u="none" strike="noStrike" cap="none" normalizeH="0" baseline="0" dirty="0">
                 <a:ln>
                   <a:noFill/>
                 </a:ln>
@@ -5011,7 +4602,7 @@
               <a:t>="com.volkov.IoC.example20.Person" </a:t>
             </a:r>
             <a:r>
-              <a:rPr kumimoji="0" lang="en-US" altLang="en-US" sz="2000" b="0" i="0" u="none" strike="noStrike" cap="none" normalizeH="0" baseline="0" dirty="0" smtClean="0">
+              <a:rPr kumimoji="0" lang="en-US" altLang="en-US" sz="2000" b="0" i="0" u="none" strike="noStrike" cap="none" normalizeH="0" baseline="0" dirty="0">
                 <a:ln>
                   <a:noFill/>
                 </a:ln>
@@ -5024,7 +4615,7 @@
               <a:t>p</a:t>
             </a:r>
             <a:r>
-              <a:rPr kumimoji="0" lang="en-US" altLang="en-US" sz="2000" b="0" i="0" u="none" strike="noStrike" cap="none" normalizeH="0" baseline="0" dirty="0" smtClean="0">
+              <a:rPr kumimoji="0" lang="en-US" altLang="en-US" sz="2000" b="0" i="0" u="none" strike="noStrike" cap="none" normalizeH="0" baseline="0" dirty="0">
                 <a:ln>
                   <a:noFill/>
                 </a:ln>
@@ -5037,7 +4628,7 @@
               <a:t>:name</a:t>
             </a:r>
             <a:r>
-              <a:rPr kumimoji="0" lang="en-US" altLang="en-US" sz="2000" b="0" i="0" u="none" strike="noStrike" cap="none" normalizeH="0" baseline="0" dirty="0" smtClean="0">
+              <a:rPr kumimoji="0" lang="en-US" altLang="en-US" sz="2000" b="0" i="0" u="none" strike="noStrike" cap="none" normalizeH="0" baseline="0" dirty="0">
                 <a:ln>
                   <a:noFill/>
                 </a:ln>
@@ -5050,7 +4641,7 @@
               <a:t>="Ivan"</a:t>
             </a:r>
             <a:r>
-              <a:rPr kumimoji="0" lang="en-US" altLang="en-US" sz="2000" b="0" i="0" u="none" strike="noStrike" cap="none" normalizeH="0" baseline="0" dirty="0" smtClean="0">
+              <a:rPr kumimoji="0" lang="en-US" altLang="en-US" sz="2000" b="0" i="0" u="none" strike="noStrike" cap="none" normalizeH="0" baseline="0" dirty="0">
                 <a:ln>
                   <a:noFill/>
                 </a:ln>
@@ -5062,7 +4653,7 @@
               </a:rPr>
               <a:t>/&gt;</a:t>
             </a:r>
-            <a:endParaRPr kumimoji="0" lang="en-US" altLang="en-US" sz="2000" b="0" i="0" u="none" strike="noStrike" cap="none" normalizeH="0" baseline="0" dirty="0" smtClean="0">
+            <a:endParaRPr kumimoji="0" lang="en-US" altLang="en-US" sz="2000" b="0" i="0" u="none" strike="noStrike" cap="none" normalizeH="0" baseline="0" dirty="0">
               <a:ln>
                 <a:noFill/>
               </a:ln>
@@ -5146,7 +4737,7 @@
               <a:tabLst/>
             </a:pPr>
             <a:r>
-              <a:rPr kumimoji="0" lang="en-US" altLang="en-US" sz="2000" b="0" i="0" u="none" strike="noStrike" cap="none" normalizeH="0" baseline="0" dirty="0" smtClean="0">
+              <a:rPr kumimoji="0" lang="en-US" altLang="en-US" sz="2000" b="0" i="0" u="none" strike="noStrike" cap="none" normalizeH="0" baseline="0" dirty="0">
                 <a:ln>
                   <a:noFill/>
                 </a:ln>
@@ -5159,7 +4750,7 @@
               <a:t>    </a:t>
             </a:r>
             <a:r>
-              <a:rPr kumimoji="0" lang="en-US" altLang="en-US" sz="2000" b="0" i="0" u="none" strike="noStrike" cap="none" normalizeH="0" baseline="0" dirty="0" smtClean="0">
+              <a:rPr kumimoji="0" lang="en-US" altLang="en-US" sz="2000" b="0" i="0" u="none" strike="noStrike" cap="none" normalizeH="0" baseline="0" dirty="0">
                 <a:ln>
                   <a:noFill/>
                 </a:ln>
@@ -5172,7 +4763,7 @@
               <a:t>@</a:t>
             </a:r>
             <a:r>
-              <a:rPr kumimoji="0" lang="en-US" altLang="en-US" sz="2000" b="0" i="0" u="none" strike="noStrike" cap="none" normalizeH="0" baseline="0" dirty="0" err="1" smtClean="0">
+              <a:rPr kumimoji="0" lang="en-US" altLang="en-US" sz="2000" b="0" i="0" u="none" strike="noStrike" cap="none" normalizeH="0" baseline="0" dirty="0" err="1">
                 <a:ln>
                   <a:noFill/>
                 </a:ln>
@@ -5184,8 +4775,8 @@
               </a:rPr>
               <a:t>Autowired</a:t>
             </a:r>
-            <a:r>
-              <a:rPr kumimoji="0" lang="en-US" altLang="en-US" sz="2000" b="0" i="0" u="none" strike="noStrike" cap="none" normalizeH="0" baseline="0" dirty="0" smtClean="0">
+            <a:br>
+              <a:rPr kumimoji="0" lang="en-US" altLang="en-US" sz="2000" b="0" i="0" u="none" strike="noStrike" cap="none" normalizeH="0" baseline="0" dirty="0">
                 <a:ln>
                   <a:noFill/>
                 </a:ln>
@@ -5195,27 +4786,168 @@
                 <a:effectLst/>
                 <a:latin typeface="JetBrains Mono"/>
               </a:rPr>
-              <a:t/>
+            </a:br>
+            <a:r>
+              <a:rPr kumimoji="0" lang="en-US" altLang="en-US" sz="2000" b="0" i="0" u="none" strike="noStrike" cap="none" normalizeH="0" baseline="0" dirty="0">
+                <a:ln>
+                  <a:noFill/>
+                </a:ln>
+                <a:solidFill>
+                  <a:srgbClr val="808080"/>
+                </a:solidFill>
+                <a:effectLst/>
+                <a:latin typeface="JetBrains Mono"/>
+              </a:rPr>
+              <a:t>    </a:t>
+            </a:r>
+            <a:r>
+              <a:rPr kumimoji="0" lang="en-US" altLang="en-US" sz="2000" b="0" i="0" u="none" strike="noStrike" cap="none" normalizeH="0" baseline="0" dirty="0">
+                <a:ln>
+                  <a:noFill/>
+                </a:ln>
+                <a:solidFill>
+                  <a:srgbClr val="CC7832"/>
+                </a:solidFill>
+                <a:effectLst/>
+                <a:latin typeface="JetBrains Mono"/>
+              </a:rPr>
+              <a:t>public void </a:t>
+            </a:r>
+            <a:r>
+              <a:rPr kumimoji="0" lang="en-US" altLang="en-US" sz="2000" b="0" i="0" u="none" strike="noStrike" cap="none" normalizeH="0" baseline="0" dirty="0" err="1">
+                <a:ln>
+                  <a:noFill/>
+                </a:ln>
+                <a:solidFill>
+                  <a:srgbClr val="FFC66D"/>
+                </a:solidFill>
+                <a:effectLst/>
+                <a:latin typeface="JetBrains Mono"/>
+              </a:rPr>
+              <a:t>setCat</a:t>
+            </a:r>
+            <a:r>
+              <a:rPr kumimoji="0" lang="en-US" altLang="en-US" sz="2000" b="0" i="0" u="none" strike="noStrike" cap="none" normalizeH="0" baseline="0" dirty="0">
+                <a:ln>
+                  <a:noFill/>
+                </a:ln>
+                <a:solidFill>
+                  <a:srgbClr val="A9B7C6"/>
+                </a:solidFill>
+                <a:effectLst/>
+                <a:latin typeface="JetBrains Mono"/>
+              </a:rPr>
+              <a:t>(Cat cat) {</a:t>
             </a:r>
             <a:br>
-              <a:rPr kumimoji="0" lang="en-US" altLang="en-US" sz="2000" b="0" i="0" u="none" strike="noStrike" cap="none" normalizeH="0" baseline="0" dirty="0" smtClean="0">
-                <a:ln>
-                  <a:noFill/>
-                </a:ln>
-                <a:solidFill>
-                  <a:srgbClr val="808080"/>
+              <a:rPr kumimoji="0" lang="en-US" altLang="en-US" sz="2000" b="0" i="0" u="none" strike="noStrike" cap="none" normalizeH="0" baseline="0" dirty="0">
+                <a:ln>
+                  <a:noFill/>
+                </a:ln>
+                <a:solidFill>
+                  <a:srgbClr val="A9B7C6"/>
                 </a:solidFill>
                 <a:effectLst/>
                 <a:latin typeface="JetBrains Mono"/>
               </a:rPr>
             </a:br>
             <a:r>
-              <a:rPr kumimoji="0" lang="en-US" altLang="en-US" sz="2000" b="0" i="0" u="none" strike="noStrike" cap="none" normalizeH="0" baseline="0" dirty="0" smtClean="0">
-                <a:ln>
-                  <a:noFill/>
-                </a:ln>
-                <a:solidFill>
-                  <a:srgbClr val="808080"/>
+              <a:rPr kumimoji="0" lang="en-US" altLang="en-US" sz="2000" b="0" i="0" u="none" strike="noStrike" cap="none" normalizeH="0" baseline="0" dirty="0">
+                <a:ln>
+                  <a:noFill/>
+                </a:ln>
+                <a:solidFill>
+                  <a:srgbClr val="A9B7C6"/>
+                </a:solidFill>
+                <a:effectLst/>
+                <a:latin typeface="JetBrains Mono"/>
+              </a:rPr>
+              <a:t>        </a:t>
+            </a:r>
+            <a:r>
+              <a:rPr kumimoji="0" lang="en-US" altLang="en-US" sz="2000" b="0" i="0" u="none" strike="noStrike" cap="none" normalizeH="0" baseline="0" dirty="0">
+                <a:ln>
+                  <a:noFill/>
+                </a:ln>
+                <a:solidFill>
+                  <a:srgbClr val="CC7832"/>
+                </a:solidFill>
+                <a:effectLst/>
+                <a:latin typeface="JetBrains Mono"/>
+              </a:rPr>
+              <a:t>this</a:t>
+            </a:r>
+            <a:r>
+              <a:rPr kumimoji="0" lang="en-US" altLang="en-US" sz="2000" b="0" i="0" u="none" strike="noStrike" cap="none" normalizeH="0" baseline="0" dirty="0">
+                <a:ln>
+                  <a:noFill/>
+                </a:ln>
+                <a:solidFill>
+                  <a:srgbClr val="A9B7C6"/>
+                </a:solidFill>
+                <a:effectLst/>
+                <a:latin typeface="JetBrains Mono"/>
+              </a:rPr>
+              <a:t>.</a:t>
+            </a:r>
+            <a:r>
+              <a:rPr kumimoji="0" lang="en-US" altLang="en-US" sz="2000" b="0" i="0" u="none" strike="noStrike" cap="none" normalizeH="0" baseline="0" dirty="0">
+                <a:ln>
+                  <a:noFill/>
+                </a:ln>
+                <a:solidFill>
+                  <a:srgbClr val="9876AA"/>
+                </a:solidFill>
+                <a:effectLst/>
+                <a:latin typeface="JetBrains Mono"/>
+              </a:rPr>
+              <a:t>cat </a:t>
+            </a:r>
+            <a:r>
+              <a:rPr kumimoji="0" lang="en-US" altLang="en-US" sz="2000" b="0" i="0" u="none" strike="noStrike" cap="none" normalizeH="0" baseline="0" dirty="0">
+                <a:ln>
+                  <a:noFill/>
+                </a:ln>
+                <a:solidFill>
+                  <a:srgbClr val="A9B7C6"/>
+                </a:solidFill>
+                <a:effectLst/>
+                <a:latin typeface="JetBrains Mono"/>
+              </a:rPr>
+              <a:t>= cat</a:t>
+            </a:r>
+            <a:r>
+              <a:rPr kumimoji="0" lang="en-US" altLang="en-US" sz="2000" b="0" i="0" u="none" strike="noStrike" cap="none" normalizeH="0" baseline="0" dirty="0">
+                <a:ln>
+                  <a:noFill/>
+                </a:ln>
+                <a:solidFill>
+                  <a:srgbClr val="CC7832"/>
+                </a:solidFill>
+                <a:effectLst/>
+                <a:latin typeface="JetBrains Mono"/>
+              </a:rPr>
+              <a:t>;</a:t>
+            </a:r>
+            <a:br>
+              <a:rPr kumimoji="0" lang="en-US" altLang="en-US" sz="2000" b="0" i="0" u="none" strike="noStrike" cap="none" normalizeH="0" baseline="0" dirty="0">
+                <a:ln>
+                  <a:noFill/>
+                </a:ln>
+                <a:solidFill>
+                  <a:srgbClr val="CC7832"/>
+                </a:solidFill>
+                <a:effectLst/>
+                <a:latin typeface="JetBrains Mono"/>
+              </a:rPr>
+            </a:br>
+            <a:r>
+              <a:rPr kumimoji="0" lang="en-US" altLang="en-US" sz="2000" b="0" i="0" u="none" strike="noStrike" cap="none" normalizeH="0" baseline="0" dirty="0">
+                <a:ln>
+                  <a:noFill/>
+                </a:ln>
+                <a:solidFill>
+                  <a:srgbClr val="CC7832"/>
                 </a:solidFill>
                 <a:effectLst/>
                 <a:latin typeface="JetBrains Mono"/>
@@ -5223,161 +4955,7 @@
               <a:t>    </a:t>
             </a:r>
             <a:r>
-              <a:rPr kumimoji="0" lang="en-US" altLang="en-US" sz="2000" b="0" i="0" u="none" strike="noStrike" cap="none" normalizeH="0" baseline="0" dirty="0" smtClean="0">
-                <a:ln>
-                  <a:noFill/>
-                </a:ln>
-                <a:solidFill>
-                  <a:srgbClr val="CC7832"/>
-                </a:solidFill>
-                <a:effectLst/>
-                <a:latin typeface="JetBrains Mono"/>
-              </a:rPr>
-              <a:t>public void </a:t>
-            </a:r>
-            <a:r>
-              <a:rPr kumimoji="0" lang="en-US" altLang="en-US" sz="2000" b="0" i="0" u="none" strike="noStrike" cap="none" normalizeH="0" baseline="0" dirty="0" err="1" smtClean="0">
-                <a:ln>
-                  <a:noFill/>
-                </a:ln>
-                <a:solidFill>
-                  <a:srgbClr val="FFC66D"/>
-                </a:solidFill>
-                <a:effectLst/>
-                <a:latin typeface="JetBrains Mono"/>
-              </a:rPr>
-              <a:t>setCat</a:t>
-            </a:r>
-            <a:r>
-              <a:rPr kumimoji="0" lang="en-US" altLang="en-US" sz="2000" b="0" i="0" u="none" strike="noStrike" cap="none" normalizeH="0" baseline="0" dirty="0" smtClean="0">
-                <a:ln>
-                  <a:noFill/>
-                </a:ln>
-                <a:solidFill>
-                  <a:srgbClr val="A9B7C6"/>
-                </a:solidFill>
-                <a:effectLst/>
-                <a:latin typeface="JetBrains Mono"/>
-              </a:rPr>
-              <a:t>(Cat cat) {</a:t>
-            </a:r>
-            <a:br>
-              <a:rPr kumimoji="0" lang="en-US" altLang="en-US" sz="2000" b="0" i="0" u="none" strike="noStrike" cap="none" normalizeH="0" baseline="0" dirty="0" smtClean="0">
-                <a:ln>
-                  <a:noFill/>
-                </a:ln>
-                <a:solidFill>
-                  <a:srgbClr val="A9B7C6"/>
-                </a:solidFill>
-                <a:effectLst/>
-                <a:latin typeface="JetBrains Mono"/>
-              </a:rPr>
-            </a:br>
-            <a:r>
-              <a:rPr kumimoji="0" lang="en-US" altLang="en-US" sz="2000" b="0" i="0" u="none" strike="noStrike" cap="none" normalizeH="0" baseline="0" dirty="0" smtClean="0">
-                <a:ln>
-                  <a:noFill/>
-                </a:ln>
-                <a:solidFill>
-                  <a:srgbClr val="A9B7C6"/>
-                </a:solidFill>
-                <a:effectLst/>
-                <a:latin typeface="JetBrains Mono"/>
-              </a:rPr>
-              <a:t>        </a:t>
-            </a:r>
-            <a:r>
-              <a:rPr kumimoji="0" lang="en-US" altLang="en-US" sz="2000" b="0" i="0" u="none" strike="noStrike" cap="none" normalizeH="0" baseline="0" dirty="0" smtClean="0">
-                <a:ln>
-                  <a:noFill/>
-                </a:ln>
-                <a:solidFill>
-                  <a:srgbClr val="CC7832"/>
-                </a:solidFill>
-                <a:effectLst/>
-                <a:latin typeface="JetBrains Mono"/>
-              </a:rPr>
-              <a:t>this</a:t>
-            </a:r>
-            <a:r>
-              <a:rPr kumimoji="0" lang="en-US" altLang="en-US" sz="2000" b="0" i="0" u="none" strike="noStrike" cap="none" normalizeH="0" baseline="0" dirty="0" smtClean="0">
-                <a:ln>
-                  <a:noFill/>
-                </a:ln>
-                <a:solidFill>
-                  <a:srgbClr val="A9B7C6"/>
-                </a:solidFill>
-                <a:effectLst/>
-                <a:latin typeface="JetBrains Mono"/>
-              </a:rPr>
-              <a:t>.</a:t>
-            </a:r>
-            <a:r>
-              <a:rPr kumimoji="0" lang="en-US" altLang="en-US" sz="2000" b="0" i="0" u="none" strike="noStrike" cap="none" normalizeH="0" baseline="0" dirty="0" smtClean="0">
-                <a:ln>
-                  <a:noFill/>
-                </a:ln>
-                <a:solidFill>
-                  <a:srgbClr val="9876AA"/>
-                </a:solidFill>
-                <a:effectLst/>
-                <a:latin typeface="JetBrains Mono"/>
-              </a:rPr>
-              <a:t>cat </a:t>
-            </a:r>
-            <a:r>
-              <a:rPr kumimoji="0" lang="en-US" altLang="en-US" sz="2000" b="0" i="0" u="none" strike="noStrike" cap="none" normalizeH="0" baseline="0" dirty="0" smtClean="0">
-                <a:ln>
-                  <a:noFill/>
-                </a:ln>
-                <a:solidFill>
-                  <a:srgbClr val="A9B7C6"/>
-                </a:solidFill>
-                <a:effectLst/>
-                <a:latin typeface="JetBrains Mono"/>
-              </a:rPr>
-              <a:t>= cat</a:t>
-            </a:r>
-            <a:r>
-              <a:rPr kumimoji="0" lang="en-US" altLang="en-US" sz="2000" b="0" i="0" u="none" strike="noStrike" cap="none" normalizeH="0" baseline="0" dirty="0" smtClean="0">
-                <a:ln>
-                  <a:noFill/>
-                </a:ln>
-                <a:solidFill>
-                  <a:srgbClr val="CC7832"/>
-                </a:solidFill>
-                <a:effectLst/>
-                <a:latin typeface="JetBrains Mono"/>
-              </a:rPr>
-              <a:t>;</a:t>
-            </a:r>
-            <a:br>
-              <a:rPr kumimoji="0" lang="en-US" altLang="en-US" sz="2000" b="0" i="0" u="none" strike="noStrike" cap="none" normalizeH="0" baseline="0" dirty="0" smtClean="0">
-                <a:ln>
-                  <a:noFill/>
-                </a:ln>
-                <a:solidFill>
-                  <a:srgbClr val="CC7832"/>
-                </a:solidFill>
-                <a:effectLst/>
-                <a:latin typeface="JetBrains Mono"/>
-              </a:rPr>
-            </a:br>
-            <a:r>
-              <a:rPr kumimoji="0" lang="en-US" altLang="en-US" sz="2000" b="0" i="0" u="none" strike="noStrike" cap="none" normalizeH="0" baseline="0" dirty="0" smtClean="0">
-                <a:ln>
-                  <a:noFill/>
-                </a:ln>
-                <a:solidFill>
-                  <a:srgbClr val="CC7832"/>
-                </a:solidFill>
-                <a:effectLst/>
-                <a:latin typeface="JetBrains Mono"/>
-              </a:rPr>
-              <a:t>    </a:t>
-            </a:r>
-            <a:r>
-              <a:rPr kumimoji="0" lang="en-US" altLang="en-US" sz="2000" b="0" i="0" u="none" strike="noStrike" cap="none" normalizeH="0" baseline="0" dirty="0" smtClean="0">
+              <a:rPr kumimoji="0" lang="en-US" altLang="en-US" sz="2000" b="0" i="0" u="none" strike="noStrike" cap="none" normalizeH="0" baseline="0" dirty="0">
                 <a:ln>
                   <a:noFill/>
                 </a:ln>
@@ -5389,7 +4967,7 @@
               </a:rPr>
               <a:t>}</a:t>
             </a:r>
-            <a:endParaRPr kumimoji="0" lang="en-US" altLang="en-US" sz="2000" b="0" i="0" u="none" strike="noStrike" cap="none" normalizeH="0" baseline="0" dirty="0" smtClean="0">
+            <a:endParaRPr kumimoji="0" lang="en-US" altLang="en-US" sz="2000" b="0" i="0" u="none" strike="noStrike" cap="none" normalizeH="0" baseline="0" dirty="0">
               <a:ln>
                 <a:noFill/>
               </a:ln>
@@ -5473,7 +5051,7 @@
               <a:tabLst/>
             </a:pPr>
             <a:r>
-              <a:rPr kumimoji="0" lang="en-US" altLang="en-US" sz="2000" b="0" i="0" u="none" strike="noStrike" cap="none" normalizeH="0" baseline="0" dirty="0" smtClean="0">
+              <a:rPr kumimoji="0" lang="en-US" altLang="en-US" sz="2000" b="0" i="0" u="none" strike="noStrike" cap="none" normalizeH="0" baseline="0" dirty="0">
                 <a:ln>
                   <a:noFill/>
                 </a:ln>
@@ -5486,7 +5064,7 @@
               <a:t>@Component</a:t>
             </a:r>
             <a:r>
-              <a:rPr kumimoji="0" lang="en-US" altLang="en-US" sz="2000" b="0" i="0" u="none" strike="noStrike" cap="none" normalizeH="0" baseline="0" dirty="0" smtClean="0">
+              <a:rPr kumimoji="0" lang="en-US" altLang="en-US" sz="2000" b="0" i="0" u="none" strike="noStrike" cap="none" normalizeH="0" baseline="0" dirty="0">
                 <a:ln>
                   <a:noFill/>
                 </a:ln>
@@ -5499,7 +5077,7 @@
               <a:t>(</a:t>
             </a:r>
             <a:r>
-              <a:rPr kumimoji="0" lang="en-US" altLang="en-US" sz="2000" b="0" i="0" u="none" strike="noStrike" cap="none" normalizeH="0" baseline="0" dirty="0" smtClean="0">
+              <a:rPr kumimoji="0" lang="en-US" altLang="en-US" sz="2000" b="0" i="0" u="none" strike="noStrike" cap="none" normalizeH="0" baseline="0" dirty="0">
                 <a:ln>
                   <a:noFill/>
                 </a:ln>
@@ -5512,7 +5090,7 @@
               <a:t>"person"</a:t>
             </a:r>
             <a:r>
-              <a:rPr kumimoji="0" lang="en-US" altLang="en-US" sz="2000" b="0" i="0" u="none" strike="noStrike" cap="none" normalizeH="0" baseline="0" dirty="0" smtClean="0">
+              <a:rPr kumimoji="0" lang="en-US" altLang="en-US" sz="2000" b="0" i="0" u="none" strike="noStrike" cap="none" normalizeH="0" baseline="0" dirty="0">
                 <a:ln>
                   <a:noFill/>
                 </a:ln>
@@ -5525,7 +5103,7 @@
               <a:t>)</a:t>
             </a:r>
             <a:br>
-              <a:rPr kumimoji="0" lang="en-US" altLang="en-US" sz="2000" b="0" i="0" u="none" strike="noStrike" cap="none" normalizeH="0" baseline="0" dirty="0" smtClean="0">
+              <a:rPr kumimoji="0" lang="en-US" altLang="en-US" sz="2000" b="0" i="0" u="none" strike="noStrike" cap="none" normalizeH="0" baseline="0" dirty="0">
                 <a:ln>
                   <a:noFill/>
                 </a:ln>
@@ -5537,7 +5115,7 @@
               </a:rPr>
             </a:br>
             <a:r>
-              <a:rPr kumimoji="0" lang="en-US" altLang="en-US" sz="2000" b="0" i="0" u="none" strike="noStrike" cap="none" normalizeH="0" baseline="0" dirty="0" smtClean="0">
+              <a:rPr kumimoji="0" lang="en-US" altLang="en-US" sz="2000" b="0" i="0" u="none" strike="noStrike" cap="none" normalizeH="0" baseline="0" dirty="0">
                 <a:ln>
                   <a:noFill/>
                 </a:ln>
@@ -5550,7 +5128,7 @@
               <a:t>public class </a:t>
             </a:r>
             <a:r>
-              <a:rPr kumimoji="0" lang="en-US" altLang="en-US" sz="2000" b="0" i="0" u="none" strike="noStrike" cap="none" normalizeH="0" baseline="0" dirty="0" smtClean="0">
+              <a:rPr kumimoji="0" lang="en-US" altLang="en-US" sz="2000" b="0" i="0" u="none" strike="noStrike" cap="none" normalizeH="0" baseline="0" dirty="0">
                 <a:ln>
                   <a:noFill/>
                 </a:ln>
@@ -5563,7 +5141,7 @@
               <a:t>Person {</a:t>
             </a:r>
             <a:br>
-              <a:rPr kumimoji="0" lang="en-US" altLang="en-US" sz="2000" b="0" i="0" u="none" strike="noStrike" cap="none" normalizeH="0" baseline="0" dirty="0" smtClean="0">
+              <a:rPr kumimoji="0" lang="en-US" altLang="en-US" sz="2000" b="0" i="0" u="none" strike="noStrike" cap="none" normalizeH="0" baseline="0" dirty="0">
                 <a:ln>
                   <a:noFill/>
                 </a:ln>
@@ -5574,21 +5152,8 @@
                 <a:latin typeface="JetBrains Mono"/>
               </a:rPr>
             </a:br>
-            <a:r>
-              <a:rPr kumimoji="0" lang="en-US" altLang="en-US" sz="2000" b="0" i="0" u="none" strike="noStrike" cap="none" normalizeH="0" baseline="0" dirty="0" smtClean="0">
-                <a:ln>
-                  <a:noFill/>
-                </a:ln>
-                <a:solidFill>
-                  <a:srgbClr val="A9B7C6"/>
-                </a:solidFill>
-                <a:effectLst/>
-                <a:latin typeface="JetBrains Mono"/>
-              </a:rPr>
-              <a:t/>
-            </a:r>
             <a:br>
-              <a:rPr kumimoji="0" lang="en-US" altLang="en-US" sz="2000" b="0" i="0" u="none" strike="noStrike" cap="none" normalizeH="0" baseline="0" dirty="0" smtClean="0">
+              <a:rPr kumimoji="0" lang="en-US" altLang="en-US" sz="2000" b="0" i="0" u="none" strike="noStrike" cap="none" normalizeH="0" baseline="0" dirty="0">
                 <a:ln>
                   <a:noFill/>
                 </a:ln>
@@ -5600,7 +5165,7 @@
               </a:rPr>
             </a:br>
             <a:r>
-              <a:rPr kumimoji="0" lang="en-US" altLang="en-US" sz="2000" b="0" i="0" u="none" strike="noStrike" cap="none" normalizeH="0" baseline="0" dirty="0" smtClean="0">
+              <a:rPr kumimoji="0" lang="en-US" altLang="en-US" sz="2000" b="0" i="0" u="none" strike="noStrike" cap="none" normalizeH="0" baseline="0" dirty="0">
                 <a:ln>
                   <a:noFill/>
                 </a:ln>
@@ -5613,7 +5178,7 @@
               <a:t>    </a:t>
             </a:r>
             <a:r>
-              <a:rPr kumimoji="0" lang="en-US" altLang="en-US" sz="2000" b="0" i="0" u="none" strike="noStrike" cap="none" normalizeH="0" baseline="0" dirty="0" smtClean="0">
+              <a:rPr kumimoji="0" lang="en-US" altLang="en-US" sz="2000" b="0" i="0" u="none" strike="noStrike" cap="none" normalizeH="0" baseline="0" dirty="0">
                 <a:ln>
                   <a:noFill/>
                 </a:ln>
@@ -5626,7 +5191,7 @@
               <a:t>private </a:t>
             </a:r>
             <a:r>
-              <a:rPr kumimoji="0" lang="en-US" altLang="en-US" sz="2000" b="0" i="0" u="none" strike="noStrike" cap="none" normalizeH="0" baseline="0" dirty="0" smtClean="0">
+              <a:rPr kumimoji="0" lang="en-US" altLang="en-US" sz="2000" b="0" i="0" u="none" strike="noStrike" cap="none" normalizeH="0" baseline="0" dirty="0">
                 <a:ln>
                   <a:noFill/>
                 </a:ln>
@@ -5639,7 +5204,7 @@
               <a:t>String </a:t>
             </a:r>
             <a:r>
-              <a:rPr kumimoji="0" lang="en-US" altLang="en-US" sz="2000" b="0" i="0" u="none" strike="noStrike" cap="none" normalizeH="0" baseline="0" dirty="0" smtClean="0">
+              <a:rPr kumimoji="0" lang="en-US" altLang="en-US" sz="2000" b="0" i="0" u="none" strike="noStrike" cap="none" normalizeH="0" baseline="0" dirty="0">
                 <a:ln>
                   <a:noFill/>
                 </a:ln>
@@ -5652,7 +5217,7 @@
               <a:t>name</a:t>
             </a:r>
             <a:r>
-              <a:rPr kumimoji="0" lang="en-US" altLang="en-US" sz="2000" b="0" i="0" u="none" strike="noStrike" cap="none" normalizeH="0" baseline="0" dirty="0" smtClean="0">
+              <a:rPr kumimoji="0" lang="en-US" altLang="en-US" sz="2000" b="0" i="0" u="none" strike="noStrike" cap="none" normalizeH="0" baseline="0" dirty="0">
                 <a:ln>
                   <a:noFill/>
                 </a:ln>
@@ -5665,7 +5230,7 @@
               <a:t>;</a:t>
             </a:r>
             <a:br>
-              <a:rPr kumimoji="0" lang="en-US" altLang="en-US" sz="2000" b="0" i="0" u="none" strike="noStrike" cap="none" normalizeH="0" baseline="0" dirty="0" smtClean="0">
+              <a:rPr kumimoji="0" lang="en-US" altLang="en-US" sz="2000" b="0" i="0" u="none" strike="noStrike" cap="none" normalizeH="0" baseline="0" dirty="0">
                 <a:ln>
                   <a:noFill/>
                 </a:ln>
@@ -5677,7 +5242,7 @@
               </a:rPr>
             </a:br>
             <a:r>
-              <a:rPr kumimoji="0" lang="en-US" altLang="en-US" sz="2000" b="0" i="0" u="none" strike="noStrike" cap="none" normalizeH="0" baseline="0" dirty="0" smtClean="0">
+              <a:rPr kumimoji="0" lang="en-US" altLang="en-US" sz="2000" b="0" i="0" u="none" strike="noStrike" cap="none" normalizeH="0" baseline="0" dirty="0">
                 <a:ln>
                   <a:noFill/>
                 </a:ln>
@@ -5690,7 +5255,7 @@
               <a:t>    private </a:t>
             </a:r>
             <a:r>
-              <a:rPr kumimoji="0" lang="en-US" altLang="en-US" sz="2000" b="0" i="0" u="none" strike="noStrike" cap="none" normalizeH="0" baseline="0" dirty="0" smtClean="0">
+              <a:rPr kumimoji="0" lang="en-US" altLang="en-US" sz="2000" b="0" i="0" u="none" strike="noStrike" cap="none" normalizeH="0" baseline="0" dirty="0">
                 <a:ln>
                   <a:noFill/>
                 </a:ln>
@@ -5703,7 +5268,7 @@
               <a:t>Cat </a:t>
             </a:r>
             <a:r>
-              <a:rPr kumimoji="0" lang="en-US" altLang="en-US" sz="2000" b="0" i="0" u="none" strike="noStrike" cap="none" normalizeH="0" baseline="0" dirty="0" err="1" smtClean="0">
+              <a:rPr kumimoji="0" lang="en-US" altLang="en-US" sz="2000" b="0" i="0" u="none" strike="noStrike" cap="none" normalizeH="0" baseline="0" dirty="0" err="1">
                 <a:ln>
                   <a:noFill/>
                 </a:ln>
@@ -5716,7 +5281,7 @@
               <a:t>cat</a:t>
             </a:r>
             <a:r>
-              <a:rPr kumimoji="0" lang="en-US" altLang="en-US" sz="2000" b="0" i="0" u="none" strike="noStrike" cap="none" normalizeH="0" baseline="0" dirty="0" smtClean="0">
+              <a:rPr kumimoji="0" lang="en-US" altLang="en-US" sz="2000" b="0" i="0" u="none" strike="noStrike" cap="none" normalizeH="0" baseline="0" dirty="0">
                 <a:ln>
                   <a:noFill/>
                 </a:ln>
@@ -5729,7 +5294,7 @@
               <a:t>;</a:t>
             </a:r>
             <a:br>
-              <a:rPr kumimoji="0" lang="en-US" altLang="en-US" sz="2000" b="0" i="0" u="none" strike="noStrike" cap="none" normalizeH="0" baseline="0" dirty="0" smtClean="0">
+              <a:rPr kumimoji="0" lang="en-US" altLang="en-US" sz="2000" b="0" i="0" u="none" strike="noStrike" cap="none" normalizeH="0" baseline="0" dirty="0">
                 <a:ln>
                   <a:noFill/>
                 </a:ln>
@@ -5740,8 +5305,8 @@
                 <a:latin typeface="JetBrains Mono"/>
               </a:rPr>
             </a:br>
-            <a:r>
-              <a:rPr kumimoji="0" lang="en-US" altLang="en-US" sz="2000" b="0" i="0" u="none" strike="noStrike" cap="none" normalizeH="0" baseline="0" dirty="0" smtClean="0">
+            <a:br>
+              <a:rPr kumimoji="0" lang="en-US" altLang="en-US" sz="2000" b="0" i="0" u="none" strike="noStrike" cap="none" normalizeH="0" baseline="0" dirty="0">
                 <a:ln>
                   <a:noFill/>
                 </a:ln>
@@ -5751,10 +5316,86 @@
                 <a:effectLst/>
                 <a:latin typeface="JetBrains Mono"/>
               </a:rPr>
-              <a:t/>
+            </a:br>
+            <a:r>
+              <a:rPr kumimoji="0" lang="en-US" altLang="en-US" sz="2000" b="0" i="0" u="none" strike="noStrike" cap="none" normalizeH="0" baseline="0" dirty="0">
+                <a:ln>
+                  <a:noFill/>
+                </a:ln>
+                <a:solidFill>
+                  <a:srgbClr val="CC7832"/>
+                </a:solidFill>
+                <a:effectLst/>
+                <a:latin typeface="JetBrains Mono"/>
+              </a:rPr>
+              <a:t>    public </a:t>
+            </a:r>
+            <a:r>
+              <a:rPr kumimoji="0" lang="en-US" altLang="en-US" sz="2000" b="0" i="0" u="none" strike="noStrike" cap="none" normalizeH="0" baseline="0" dirty="0">
+                <a:ln>
+                  <a:noFill/>
+                </a:ln>
+                <a:solidFill>
+                  <a:srgbClr val="A9B7C6"/>
+                </a:solidFill>
+                <a:effectLst/>
+                <a:latin typeface="JetBrains Mono"/>
+              </a:rPr>
+              <a:t>String </a:t>
+            </a:r>
+            <a:r>
+              <a:rPr kumimoji="0" lang="en-US" altLang="en-US" sz="2000" b="0" i="0" u="none" strike="noStrike" cap="none" normalizeH="0" baseline="0" dirty="0" err="1">
+                <a:ln>
+                  <a:noFill/>
+                </a:ln>
+                <a:solidFill>
+                  <a:srgbClr val="FFC66D"/>
+                </a:solidFill>
+                <a:effectLst/>
+                <a:latin typeface="JetBrains Mono"/>
+              </a:rPr>
+              <a:t>getName</a:t>
+            </a:r>
+            <a:r>
+              <a:rPr kumimoji="0" lang="en-US" altLang="en-US" sz="2000" b="0" i="0" u="none" strike="noStrike" cap="none" normalizeH="0" baseline="0" dirty="0">
+                <a:ln>
+                  <a:noFill/>
+                </a:ln>
+                <a:solidFill>
+                  <a:srgbClr val="A9B7C6"/>
+                </a:solidFill>
+                <a:effectLst/>
+                <a:latin typeface="JetBrains Mono"/>
+              </a:rPr>
+              <a:t>() {</a:t>
             </a:r>
             <a:br>
-              <a:rPr kumimoji="0" lang="en-US" altLang="en-US" sz="2000" b="0" i="0" u="none" strike="noStrike" cap="none" normalizeH="0" baseline="0" dirty="0" smtClean="0">
+              <a:rPr kumimoji="0" lang="en-US" altLang="en-US" sz="2000" b="0" i="0" u="none" strike="noStrike" cap="none" normalizeH="0" baseline="0" dirty="0">
+                <a:ln>
+                  <a:noFill/>
+                </a:ln>
+                <a:solidFill>
+                  <a:srgbClr val="A9B7C6"/>
+                </a:solidFill>
+                <a:effectLst/>
+                <a:latin typeface="JetBrains Mono"/>
+              </a:rPr>
+            </a:br>
+            <a:r>
+              <a:rPr kumimoji="0" lang="en-US" altLang="en-US" sz="2000" b="0" i="0" u="none" strike="noStrike" cap="none" normalizeH="0" baseline="0" dirty="0">
+                <a:ln>
+                  <a:noFill/>
+                </a:ln>
+                <a:solidFill>
+                  <a:srgbClr val="A9B7C6"/>
+                </a:solidFill>
+                <a:effectLst/>
+                <a:latin typeface="JetBrains Mono"/>
+              </a:rPr>
+              <a:t>        </a:t>
+            </a:r>
+            <a:r>
+              <a:rPr kumimoji="0" lang="en-US" altLang="en-US" sz="2000" b="0" i="0" u="none" strike="noStrike" cap="none" normalizeH="0" baseline="0" dirty="0">
                 <a:ln>
                   <a:noFill/>
                 </a:ln>
@@ -5764,9 +5405,48 @@
                 <a:effectLst/>
                 <a:latin typeface="JetBrains Mono"/>
               </a:rPr>
+              <a:t>return </a:t>
+            </a:r>
+            <a:r>
+              <a:rPr kumimoji="0" lang="en-US" altLang="en-US" sz="2000" b="0" i="0" u="none" strike="noStrike" cap="none" normalizeH="0" baseline="0" dirty="0">
+                <a:ln>
+                  <a:noFill/>
+                </a:ln>
+                <a:solidFill>
+                  <a:srgbClr val="9876AA"/>
+                </a:solidFill>
+                <a:effectLst/>
+                <a:latin typeface="JetBrains Mono"/>
+              </a:rPr>
+              <a:t>name</a:t>
+            </a:r>
+            <a:r>
+              <a:rPr kumimoji="0" lang="en-US" altLang="en-US" sz="2000" b="0" i="0" u="none" strike="noStrike" cap="none" normalizeH="0" baseline="0" dirty="0">
+                <a:ln>
+                  <a:noFill/>
+                </a:ln>
+                <a:solidFill>
+                  <a:srgbClr val="CC7832"/>
+                </a:solidFill>
+                <a:effectLst/>
+                <a:latin typeface="JetBrains Mono"/>
+              </a:rPr>
+              <a:t>;</a:t>
+            </a:r>
+            <a:br>
+              <a:rPr kumimoji="0" lang="en-US" altLang="en-US" sz="2000" b="0" i="0" u="none" strike="noStrike" cap="none" normalizeH="0" baseline="0" dirty="0">
+                <a:ln>
+                  <a:noFill/>
+                </a:ln>
+                <a:solidFill>
+                  <a:srgbClr val="CC7832"/>
+                </a:solidFill>
+                <a:effectLst/>
+                <a:latin typeface="JetBrains Mono"/>
+              </a:rPr>
             </a:br>
             <a:r>
-              <a:rPr kumimoji="0" lang="en-US" altLang="en-US" sz="2000" b="0" i="0" u="none" strike="noStrike" cap="none" normalizeH="0" baseline="0" dirty="0" smtClean="0">
+              <a:rPr kumimoji="0" lang="en-US" altLang="en-US" sz="2000" b="0" i="0" u="none" strike="noStrike" cap="none" normalizeH="0" baseline="0" dirty="0">
                 <a:ln>
                   <a:noFill/>
                 </a:ln>
@@ -5776,23 +5456,150 @@
                 <a:effectLst/>
                 <a:latin typeface="JetBrains Mono"/>
               </a:rPr>
-              <a:t>    public </a:t>
-            </a:r>
-            <a:r>
-              <a:rPr kumimoji="0" lang="en-US" altLang="en-US" sz="2000" b="0" i="0" u="none" strike="noStrike" cap="none" normalizeH="0" baseline="0" dirty="0" smtClean="0">
-                <a:ln>
-                  <a:noFill/>
-                </a:ln>
-                <a:solidFill>
-                  <a:srgbClr val="A9B7C6"/>
-                </a:solidFill>
-                <a:effectLst/>
-                <a:latin typeface="JetBrains Mono"/>
-              </a:rPr>
-              <a:t>String </a:t>
-            </a:r>
-            <a:r>
-              <a:rPr kumimoji="0" lang="en-US" altLang="en-US" sz="2000" b="0" i="0" u="none" strike="noStrike" cap="none" normalizeH="0" baseline="0" dirty="0" err="1" smtClean="0">
+              <a:t>    </a:t>
+            </a:r>
+            <a:r>
+              <a:rPr kumimoji="0" lang="en-US" altLang="en-US" sz="2000" b="0" i="0" u="none" strike="noStrike" cap="none" normalizeH="0" baseline="0" dirty="0">
+                <a:ln>
+                  <a:noFill/>
+                </a:ln>
+                <a:solidFill>
+                  <a:srgbClr val="A9B7C6"/>
+                </a:solidFill>
+                <a:effectLst/>
+                <a:latin typeface="JetBrains Mono"/>
+              </a:rPr>
+              <a:t>}</a:t>
+            </a:r>
+            <a:br>
+              <a:rPr kumimoji="0" lang="en-US" altLang="en-US" sz="2000" b="0" i="0" u="none" strike="noStrike" cap="none" normalizeH="0" baseline="0" dirty="0">
+                <a:ln>
+                  <a:noFill/>
+                </a:ln>
+                <a:solidFill>
+                  <a:srgbClr val="A9B7C6"/>
+                </a:solidFill>
+                <a:effectLst/>
+                <a:latin typeface="JetBrains Mono"/>
+              </a:rPr>
+            </a:br>
+            <a:br>
+              <a:rPr kumimoji="0" lang="en-US" altLang="en-US" sz="2000" b="0" i="0" u="none" strike="noStrike" cap="none" normalizeH="0" baseline="0" dirty="0">
+                <a:ln>
+                  <a:noFill/>
+                </a:ln>
+                <a:solidFill>
+                  <a:srgbClr val="A9B7C6"/>
+                </a:solidFill>
+                <a:effectLst/>
+                <a:latin typeface="JetBrains Mono"/>
+              </a:rPr>
+            </a:br>
+            <a:r>
+              <a:rPr kumimoji="0" lang="en-US" altLang="en-US" sz="2000" b="0" i="0" u="none" strike="noStrike" cap="none" normalizeH="0" baseline="0" dirty="0">
+                <a:ln>
+                  <a:noFill/>
+                </a:ln>
+                <a:solidFill>
+                  <a:srgbClr val="A9B7C6"/>
+                </a:solidFill>
+                <a:effectLst/>
+                <a:latin typeface="JetBrains Mono"/>
+              </a:rPr>
+              <a:t>    </a:t>
+            </a:r>
+            <a:r>
+              <a:rPr kumimoji="0" lang="en-US" altLang="en-US" sz="2000" b="0" i="0" u="none" strike="noStrike" cap="none" normalizeH="0" baseline="0" dirty="0">
+                <a:ln>
+                  <a:noFill/>
+                </a:ln>
+                <a:solidFill>
+                  <a:srgbClr val="BBB529"/>
+                </a:solidFill>
+                <a:effectLst/>
+                <a:latin typeface="JetBrains Mono"/>
+              </a:rPr>
+              <a:t>@Value</a:t>
+            </a:r>
+            <a:r>
+              <a:rPr kumimoji="0" lang="en-US" altLang="en-US" sz="2000" b="0" i="0" u="none" strike="noStrike" cap="none" normalizeH="0" baseline="0" dirty="0">
+                <a:ln>
+                  <a:noFill/>
+                </a:ln>
+                <a:solidFill>
+                  <a:srgbClr val="A9B7C6"/>
+                </a:solidFill>
+                <a:effectLst/>
+                <a:latin typeface="JetBrains Mono"/>
+              </a:rPr>
+              <a:t>(</a:t>
+            </a:r>
+            <a:r>
+              <a:rPr kumimoji="0" lang="en-US" altLang="en-US" sz="2000" b="0" i="0" u="none" strike="noStrike" cap="none" normalizeH="0" baseline="0" dirty="0">
+                <a:ln>
+                  <a:noFill/>
+                </a:ln>
+                <a:solidFill>
+                  <a:srgbClr val="6A8759"/>
+                </a:solidFill>
+                <a:effectLst/>
+                <a:latin typeface="JetBrains Mono"/>
+              </a:rPr>
+              <a:t>"Ivan Ivanov"</a:t>
+            </a:r>
+            <a:r>
+              <a:rPr kumimoji="0" lang="en-US" altLang="en-US" sz="2000" b="0" i="0" u="none" strike="noStrike" cap="none" normalizeH="0" baseline="0" dirty="0">
+                <a:ln>
+                  <a:noFill/>
+                </a:ln>
+                <a:solidFill>
+                  <a:srgbClr val="A9B7C6"/>
+                </a:solidFill>
+                <a:effectLst/>
+                <a:latin typeface="JetBrains Mono"/>
+              </a:rPr>
+              <a:t>)</a:t>
+            </a:r>
+            <a:br>
+              <a:rPr kumimoji="0" lang="en-US" altLang="en-US" sz="2000" b="0" i="0" u="none" strike="noStrike" cap="none" normalizeH="0" baseline="0" dirty="0">
+                <a:ln>
+                  <a:noFill/>
+                </a:ln>
+                <a:solidFill>
+                  <a:srgbClr val="A9B7C6"/>
+                </a:solidFill>
+                <a:effectLst/>
+                <a:latin typeface="JetBrains Mono"/>
+              </a:rPr>
+            </a:br>
+            <a:r>
+              <a:rPr kumimoji="0" lang="en-US" altLang="en-US" sz="2000" b="0" i="0" u="none" strike="noStrike" cap="none" normalizeH="0" baseline="0" dirty="0">
+                <a:ln>
+                  <a:noFill/>
+                </a:ln>
+                <a:solidFill>
+                  <a:srgbClr val="A9B7C6"/>
+                </a:solidFill>
+                <a:effectLst/>
+                <a:latin typeface="JetBrains Mono"/>
+              </a:rPr>
+              <a:t>    </a:t>
+            </a:r>
+            <a:r>
+              <a:rPr kumimoji="0" lang="en-US" altLang="en-US" sz="2000" b="0" i="0" u="none" strike="noStrike" cap="none" normalizeH="0" baseline="0" dirty="0">
+                <a:ln>
+                  <a:noFill/>
+                </a:ln>
+                <a:solidFill>
+                  <a:srgbClr val="CC7832"/>
+                </a:solidFill>
+                <a:effectLst/>
+                <a:latin typeface="JetBrains Mono"/>
+              </a:rPr>
+              <a:t>public void </a:t>
+            </a:r>
+            <a:r>
+              <a:rPr kumimoji="0" lang="en-US" altLang="en-US" sz="2000" b="0" i="0" u="none" strike="noStrike" cap="none" normalizeH="0" baseline="0" dirty="0" err="1">
                 <a:ln>
                   <a:noFill/>
                 </a:ln>
@@ -5802,23 +5609,23 @@
                 <a:effectLst/>
                 <a:latin typeface="JetBrains Mono"/>
               </a:rPr>
-              <a:t>getName</a:t>
-            </a:r>
-            <a:r>
-              <a:rPr kumimoji="0" lang="en-US" altLang="en-US" sz="2000" b="0" i="0" u="none" strike="noStrike" cap="none" normalizeH="0" baseline="0" dirty="0" smtClean="0">
-                <a:ln>
-                  <a:noFill/>
-                </a:ln>
-                <a:solidFill>
-                  <a:srgbClr val="A9B7C6"/>
-                </a:solidFill>
-                <a:effectLst/>
-                <a:latin typeface="JetBrains Mono"/>
-              </a:rPr>
-              <a:t>() {</a:t>
+              <a:t>setName</a:t>
+            </a:r>
+            <a:r>
+              <a:rPr kumimoji="0" lang="en-US" altLang="en-US" sz="2000" b="0" i="0" u="none" strike="noStrike" cap="none" normalizeH="0" baseline="0" dirty="0">
+                <a:ln>
+                  <a:noFill/>
+                </a:ln>
+                <a:solidFill>
+                  <a:srgbClr val="A9B7C6"/>
+                </a:solidFill>
+                <a:effectLst/>
+                <a:latin typeface="JetBrains Mono"/>
+              </a:rPr>
+              <a:t>(String name) {</a:t>
             </a:r>
             <a:br>
-              <a:rPr kumimoji="0" lang="en-US" altLang="en-US" sz="2000" b="0" i="0" u="none" strike="noStrike" cap="none" normalizeH="0" baseline="0" dirty="0" smtClean="0">
+              <a:rPr kumimoji="0" lang="en-US" altLang="en-US" sz="2000" b="0" i="0" u="none" strike="noStrike" cap="none" normalizeH="0" baseline="0" dirty="0">
                 <a:ln>
                   <a:noFill/>
                 </a:ln>
@@ -5830,7 +5637,7 @@
               </a:rPr>
             </a:br>
             <a:r>
-              <a:rPr kumimoji="0" lang="en-US" altLang="en-US" sz="2000" b="0" i="0" u="none" strike="noStrike" cap="none" normalizeH="0" baseline="0" dirty="0" smtClean="0">
+              <a:rPr kumimoji="0" lang="en-US" altLang="en-US" sz="2000" b="0" i="0" u="none" strike="noStrike" cap="none" normalizeH="0" baseline="0" dirty="0">
                 <a:ln>
                   <a:noFill/>
                 </a:ln>
@@ -5843,7 +5650,7 @@
               <a:t>        </a:t>
             </a:r>
             <a:r>
-              <a:rPr kumimoji="0" lang="en-US" altLang="en-US" sz="2000" b="0" i="0" u="none" strike="noStrike" cap="none" normalizeH="0" baseline="0" dirty="0" smtClean="0">
+              <a:rPr kumimoji="0" lang="en-US" altLang="en-US" sz="2000" b="0" i="0" u="none" strike="noStrike" cap="none" normalizeH="0" baseline="0" dirty="0">
                 <a:ln>
                   <a:noFill/>
                 </a:ln>
@@ -5853,10 +5660,23 @@
                 <a:effectLst/>
                 <a:latin typeface="JetBrains Mono"/>
               </a:rPr>
-              <a:t>return </a:t>
-            </a:r>
-            <a:r>
-              <a:rPr kumimoji="0" lang="en-US" altLang="en-US" sz="2000" b="0" i="0" u="none" strike="noStrike" cap="none" normalizeH="0" baseline="0" dirty="0" smtClean="0">
+              <a:t>this</a:t>
+            </a:r>
+            <a:r>
+              <a:rPr kumimoji="0" lang="en-US" altLang="en-US" sz="2000" b="0" i="0" u="none" strike="noStrike" cap="none" normalizeH="0" baseline="0" dirty="0">
+                <a:ln>
+                  <a:noFill/>
+                </a:ln>
+                <a:solidFill>
+                  <a:srgbClr val="A9B7C6"/>
+                </a:solidFill>
+                <a:effectLst/>
+                <a:latin typeface="JetBrains Mono"/>
+              </a:rPr>
+              <a:t>.</a:t>
+            </a:r>
+            <a:r>
+              <a:rPr kumimoji="0" lang="en-US" altLang="en-US" sz="2000" b="0" i="0" u="none" strike="noStrike" cap="none" normalizeH="0" baseline="0" dirty="0">
                 <a:ln>
                   <a:noFill/>
                 </a:ln>
@@ -5866,10 +5686,23 @@
                 <a:effectLst/>
                 <a:latin typeface="JetBrains Mono"/>
               </a:rPr>
-              <a:t>name</a:t>
-            </a:r>
-            <a:r>
-              <a:rPr kumimoji="0" lang="en-US" altLang="en-US" sz="2000" b="0" i="0" u="none" strike="noStrike" cap="none" normalizeH="0" baseline="0" dirty="0" smtClean="0">
+              <a:t>name </a:t>
+            </a:r>
+            <a:r>
+              <a:rPr kumimoji="0" lang="en-US" altLang="en-US" sz="2000" b="0" i="0" u="none" strike="noStrike" cap="none" normalizeH="0" baseline="0" dirty="0">
+                <a:ln>
+                  <a:noFill/>
+                </a:ln>
+                <a:solidFill>
+                  <a:srgbClr val="A9B7C6"/>
+                </a:solidFill>
+                <a:effectLst/>
+                <a:latin typeface="JetBrains Mono"/>
+              </a:rPr>
+              <a:t>= name</a:t>
+            </a:r>
+            <a:r>
+              <a:rPr kumimoji="0" lang="en-US" altLang="en-US" sz="2000" b="0" i="0" u="none" strike="noStrike" cap="none" normalizeH="0" baseline="0" dirty="0">
                 <a:ln>
                   <a:noFill/>
                 </a:ln>
@@ -5882,7 +5715,7 @@
               <a:t>;</a:t>
             </a:r>
             <a:br>
-              <a:rPr kumimoji="0" lang="en-US" altLang="en-US" sz="2000" b="0" i="0" u="none" strike="noStrike" cap="none" normalizeH="0" baseline="0" dirty="0" smtClean="0">
+              <a:rPr kumimoji="0" lang="en-US" altLang="en-US" sz="2000" b="0" i="0" u="none" strike="noStrike" cap="none" normalizeH="0" baseline="0" dirty="0">
                 <a:ln>
                   <a:noFill/>
                 </a:ln>
@@ -5894,7 +5727,7 @@
               </a:rPr>
             </a:br>
             <a:r>
-              <a:rPr kumimoji="0" lang="en-US" altLang="en-US" sz="2000" b="0" i="0" u="none" strike="noStrike" cap="none" normalizeH="0" baseline="0" dirty="0" smtClean="0">
+              <a:rPr kumimoji="0" lang="en-US" altLang="en-US" sz="2000" b="0" i="0" u="none" strike="noStrike" cap="none" normalizeH="0" baseline="0" dirty="0">
                 <a:ln>
                   <a:noFill/>
                 </a:ln>
@@ -5907,7 +5740,7 @@
               <a:t>    </a:t>
             </a:r>
             <a:r>
-              <a:rPr kumimoji="0" lang="en-US" altLang="en-US" sz="2000" b="0" i="0" u="none" strike="noStrike" cap="none" normalizeH="0" baseline="0" dirty="0" smtClean="0">
+              <a:rPr kumimoji="0" lang="en-US" altLang="en-US" sz="2000" b="0" i="0" u="none" strike="noStrike" cap="none" normalizeH="0" baseline="0" dirty="0">
                 <a:ln>
                   <a:noFill/>
                 </a:ln>
@@ -5920,7 +5753,7 @@
               <a:t>}</a:t>
             </a:r>
             <a:br>
-              <a:rPr kumimoji="0" lang="en-US" altLang="en-US" sz="2000" b="0" i="0" u="none" strike="noStrike" cap="none" normalizeH="0" baseline="0" dirty="0" smtClean="0">
+              <a:rPr kumimoji="0" lang="en-US" altLang="en-US" sz="2000" b="0" i="0" u="none" strike="noStrike" cap="none" normalizeH="0" baseline="0" dirty="0">
                 <a:ln>
                   <a:noFill/>
                 </a:ln>
@@ -5931,21 +5764,8 @@
                 <a:latin typeface="JetBrains Mono"/>
               </a:rPr>
             </a:br>
-            <a:r>
-              <a:rPr kumimoji="0" lang="en-US" altLang="en-US" sz="2000" b="0" i="0" u="none" strike="noStrike" cap="none" normalizeH="0" baseline="0" dirty="0" smtClean="0">
-                <a:ln>
-                  <a:noFill/>
-                </a:ln>
-                <a:solidFill>
-                  <a:srgbClr val="A9B7C6"/>
-                </a:solidFill>
-                <a:effectLst/>
-                <a:latin typeface="JetBrains Mono"/>
-              </a:rPr>
-              <a:t/>
-            </a:r>
             <a:br>
-              <a:rPr kumimoji="0" lang="en-US" altLang="en-US" sz="2000" b="0" i="0" u="none" strike="noStrike" cap="none" normalizeH="0" baseline="0" dirty="0" smtClean="0">
+              <a:rPr kumimoji="0" lang="en-US" altLang="en-US" sz="2000" b="0" i="0" u="none" strike="noStrike" cap="none" normalizeH="0" baseline="0" dirty="0">
                 <a:ln>
                   <a:noFill/>
                 </a:ln>
@@ -5957,7 +5777,7 @@
               </a:rPr>
             </a:br>
             <a:r>
-              <a:rPr kumimoji="0" lang="en-US" altLang="en-US" sz="2000" b="0" i="0" u="none" strike="noStrike" cap="none" normalizeH="0" baseline="0" dirty="0" smtClean="0">
+              <a:rPr kumimoji="0" lang="en-US" altLang="en-US" sz="2000" b="0" i="0" u="none" strike="noStrike" cap="none" normalizeH="0" baseline="0" dirty="0">
                 <a:ln>
                   <a:noFill/>
                 </a:ln>
@@ -5970,7 +5790,7 @@
               <a:t>    </a:t>
             </a:r>
             <a:r>
-              <a:rPr kumimoji="0" lang="en-US" altLang="en-US" sz="2000" b="0" i="0" u="none" strike="noStrike" cap="none" normalizeH="0" baseline="0" dirty="0" smtClean="0">
+              <a:rPr kumimoji="0" lang="en-US" altLang="en-US" sz="2000" b="0" i="0" u="none" strike="noStrike" cap="none" normalizeH="0" baseline="0" dirty="0">
                 <a:ln>
                   <a:noFill/>
                 </a:ln>
@@ -5980,66 +5800,40 @@
                 <a:effectLst/>
                 <a:latin typeface="JetBrains Mono"/>
               </a:rPr>
-              <a:t>@Value</a:t>
-            </a:r>
-            <a:r>
-              <a:rPr kumimoji="0" lang="en-US" altLang="en-US" sz="2000" b="0" i="0" u="none" strike="noStrike" cap="none" normalizeH="0" baseline="0" dirty="0" smtClean="0">
-                <a:ln>
-                  <a:noFill/>
-                </a:ln>
-                <a:solidFill>
-                  <a:srgbClr val="A9B7C6"/>
-                </a:solidFill>
-                <a:effectLst/>
-                <a:latin typeface="JetBrains Mono"/>
-              </a:rPr>
-              <a:t>(</a:t>
-            </a:r>
-            <a:r>
-              <a:rPr kumimoji="0" lang="en-US" altLang="en-US" sz="2000" b="0" i="0" u="none" strike="noStrike" cap="none" normalizeH="0" baseline="0" dirty="0" smtClean="0">
-                <a:ln>
-                  <a:noFill/>
-                </a:ln>
-                <a:solidFill>
-                  <a:srgbClr val="6A8759"/>
-                </a:solidFill>
-                <a:effectLst/>
-                <a:latin typeface="JetBrains Mono"/>
-              </a:rPr>
-              <a:t>"Ivan Ivanov"</a:t>
-            </a:r>
-            <a:r>
-              <a:rPr kumimoji="0" lang="en-US" altLang="en-US" sz="2000" b="0" i="0" u="none" strike="noStrike" cap="none" normalizeH="0" baseline="0" dirty="0" smtClean="0">
-                <a:ln>
-                  <a:noFill/>
-                </a:ln>
-                <a:solidFill>
-                  <a:srgbClr val="A9B7C6"/>
-                </a:solidFill>
-                <a:effectLst/>
-                <a:latin typeface="JetBrains Mono"/>
-              </a:rPr>
-              <a:t>)</a:t>
+              <a:t>@</a:t>
+            </a:r>
+            <a:r>
+              <a:rPr kumimoji="0" lang="en-US" altLang="en-US" sz="2000" b="0" i="0" u="none" strike="noStrike" cap="none" normalizeH="0" baseline="0" dirty="0" err="1">
+                <a:ln>
+                  <a:noFill/>
+                </a:ln>
+                <a:solidFill>
+                  <a:srgbClr val="BBB529"/>
+                </a:solidFill>
+                <a:effectLst/>
+                <a:latin typeface="JetBrains Mono"/>
+              </a:rPr>
+              <a:t>Autowired</a:t>
             </a:r>
             <a:br>
-              <a:rPr kumimoji="0" lang="en-US" altLang="en-US" sz="2000" b="0" i="0" u="none" strike="noStrike" cap="none" normalizeH="0" baseline="0" dirty="0" smtClean="0">
-                <a:ln>
-                  <a:noFill/>
-                </a:ln>
-                <a:solidFill>
-                  <a:srgbClr val="A9B7C6"/>
+              <a:rPr kumimoji="0" lang="en-US" altLang="en-US" sz="2000" b="0" i="0" u="none" strike="noStrike" cap="none" normalizeH="0" baseline="0" dirty="0">
+                <a:ln>
+                  <a:noFill/>
+                </a:ln>
+                <a:solidFill>
+                  <a:srgbClr val="BBB529"/>
                 </a:solidFill>
                 <a:effectLst/>
                 <a:latin typeface="JetBrains Mono"/>
               </a:rPr>
             </a:br>
             <a:r>
-              <a:rPr kumimoji="0" lang="en-US" altLang="en-US" sz="2000" b="0" i="0" u="none" strike="noStrike" cap="none" normalizeH="0" baseline="0" dirty="0" smtClean="0">
-                <a:ln>
-                  <a:noFill/>
-                </a:ln>
-                <a:solidFill>
-                  <a:srgbClr val="A9B7C6"/>
+              <a:rPr kumimoji="0" lang="en-US" altLang="en-US" sz="2000" b="0" i="0" u="none" strike="noStrike" cap="none" normalizeH="0" baseline="0" dirty="0">
+                <a:ln>
+                  <a:noFill/>
+                </a:ln>
+                <a:solidFill>
+                  <a:srgbClr val="BBB529"/>
                 </a:solidFill>
                 <a:effectLst/>
                 <a:latin typeface="JetBrains Mono"/>
@@ -6047,7 +5841,7 @@
               <a:t>    </a:t>
             </a:r>
             <a:r>
-              <a:rPr kumimoji="0" lang="en-US" altLang="en-US" sz="2000" b="0" i="0" u="none" strike="noStrike" cap="none" normalizeH="0" baseline="0" dirty="0" smtClean="0">
+              <a:rPr kumimoji="0" lang="en-US" altLang="en-US" sz="2000" b="0" i="0" u="none" strike="noStrike" cap="none" normalizeH="0" baseline="0" dirty="0">
                 <a:ln>
                   <a:noFill/>
                 </a:ln>
@@ -6060,7 +5854,7 @@
               <a:t>public void </a:t>
             </a:r>
             <a:r>
-              <a:rPr kumimoji="0" lang="en-US" altLang="en-US" sz="2000" b="0" i="0" u="none" strike="noStrike" cap="none" normalizeH="0" baseline="0" dirty="0" err="1" smtClean="0">
+              <a:rPr kumimoji="0" lang="en-US" altLang="en-US" sz="2000" b="0" i="0" u="none" strike="noStrike" cap="none" normalizeH="0" baseline="0" dirty="0" err="1">
                 <a:ln>
                   <a:noFill/>
                 </a:ln>
@@ -6070,23 +5864,23 @@
                 <a:effectLst/>
                 <a:latin typeface="JetBrains Mono"/>
               </a:rPr>
-              <a:t>setName</a:t>
-            </a:r>
-            <a:r>
-              <a:rPr kumimoji="0" lang="en-US" altLang="en-US" sz="2000" b="0" i="0" u="none" strike="noStrike" cap="none" normalizeH="0" baseline="0" dirty="0" smtClean="0">
-                <a:ln>
-                  <a:noFill/>
-                </a:ln>
-                <a:solidFill>
-                  <a:srgbClr val="A9B7C6"/>
-                </a:solidFill>
-                <a:effectLst/>
-                <a:latin typeface="JetBrains Mono"/>
-              </a:rPr>
-              <a:t>(String name) {</a:t>
+              <a:t>setCat</a:t>
+            </a:r>
+            <a:r>
+              <a:rPr kumimoji="0" lang="en-US" altLang="en-US" sz="2000" b="0" i="0" u="none" strike="noStrike" cap="none" normalizeH="0" baseline="0" dirty="0">
+                <a:ln>
+                  <a:noFill/>
+                </a:ln>
+                <a:solidFill>
+                  <a:srgbClr val="A9B7C6"/>
+                </a:solidFill>
+                <a:effectLst/>
+                <a:latin typeface="JetBrains Mono"/>
+              </a:rPr>
+              <a:t>(Cat cat) {</a:t>
             </a:r>
             <a:br>
-              <a:rPr kumimoji="0" lang="en-US" altLang="en-US" sz="2000" b="0" i="0" u="none" strike="noStrike" cap="none" normalizeH="0" baseline="0" dirty="0" smtClean="0">
+              <a:rPr kumimoji="0" lang="en-US" altLang="en-US" sz="2000" b="0" i="0" u="none" strike="noStrike" cap="none" normalizeH="0" baseline="0" dirty="0">
                 <a:ln>
                   <a:noFill/>
                 </a:ln>
@@ -6098,7 +5892,7 @@
               </a:rPr>
             </a:br>
             <a:r>
-              <a:rPr kumimoji="0" lang="en-US" altLang="en-US" sz="2000" b="0" i="0" u="none" strike="noStrike" cap="none" normalizeH="0" baseline="0" dirty="0" smtClean="0">
+              <a:rPr kumimoji="0" lang="en-US" altLang="en-US" sz="2000" b="0" i="0" u="none" strike="noStrike" cap="none" normalizeH="0" baseline="0" dirty="0">
                 <a:ln>
                   <a:noFill/>
                 </a:ln>
@@ -6111,7 +5905,7 @@
               <a:t>        </a:t>
             </a:r>
             <a:r>
-              <a:rPr kumimoji="0" lang="en-US" altLang="en-US" sz="2000" b="0" i="0" u="none" strike="noStrike" cap="none" normalizeH="0" baseline="0" dirty="0" smtClean="0">
+              <a:rPr kumimoji="0" lang="en-US" altLang="en-US" sz="2000" b="0" i="0" u="none" strike="noStrike" cap="none" normalizeH="0" baseline="0" dirty="0">
                 <a:ln>
                   <a:noFill/>
                 </a:ln>
@@ -6124,7 +5918,7 @@
               <a:t>this</a:t>
             </a:r>
             <a:r>
-              <a:rPr kumimoji="0" lang="en-US" altLang="en-US" sz="2000" b="0" i="0" u="none" strike="noStrike" cap="none" normalizeH="0" baseline="0" dirty="0" smtClean="0">
+              <a:rPr kumimoji="0" lang="en-US" altLang="en-US" sz="2000" b="0" i="0" u="none" strike="noStrike" cap="none" normalizeH="0" baseline="0" dirty="0">
                 <a:ln>
                   <a:noFill/>
                 </a:ln>
@@ -6137,7 +5931,7 @@
               <a:t>.</a:t>
             </a:r>
             <a:r>
-              <a:rPr kumimoji="0" lang="en-US" altLang="en-US" sz="2000" b="0" i="0" u="none" strike="noStrike" cap="none" normalizeH="0" baseline="0" dirty="0" smtClean="0">
+              <a:rPr kumimoji="0" lang="en-US" altLang="en-US" sz="2000" b="0" i="0" u="none" strike="noStrike" cap="none" normalizeH="0" baseline="0" dirty="0">
                 <a:ln>
                   <a:noFill/>
                 </a:ln>
@@ -6147,23 +5941,23 @@
                 <a:effectLst/>
                 <a:latin typeface="JetBrains Mono"/>
               </a:rPr>
-              <a:t>name </a:t>
-            </a:r>
-            <a:r>
-              <a:rPr kumimoji="0" lang="en-US" altLang="en-US" sz="2000" b="0" i="0" u="none" strike="noStrike" cap="none" normalizeH="0" baseline="0" dirty="0" smtClean="0">
-                <a:ln>
-                  <a:noFill/>
-                </a:ln>
-                <a:solidFill>
-                  <a:srgbClr val="A9B7C6"/>
-                </a:solidFill>
-                <a:effectLst/>
-                <a:latin typeface="JetBrains Mono"/>
-              </a:rPr>
-              <a:t>= name</a:t>
-            </a:r>
-            <a:r>
-              <a:rPr kumimoji="0" lang="en-US" altLang="en-US" sz="2000" b="0" i="0" u="none" strike="noStrike" cap="none" normalizeH="0" baseline="0" dirty="0" smtClean="0">
+              <a:t>cat </a:t>
+            </a:r>
+            <a:r>
+              <a:rPr kumimoji="0" lang="en-US" altLang="en-US" sz="2000" b="0" i="0" u="none" strike="noStrike" cap="none" normalizeH="0" baseline="0" dirty="0">
+                <a:ln>
+                  <a:noFill/>
+                </a:ln>
+                <a:solidFill>
+                  <a:srgbClr val="A9B7C6"/>
+                </a:solidFill>
+                <a:effectLst/>
+                <a:latin typeface="JetBrains Mono"/>
+              </a:rPr>
+              <a:t>= cat</a:t>
+            </a:r>
+            <a:r>
+              <a:rPr kumimoji="0" lang="en-US" altLang="en-US" sz="2000" b="0" i="0" u="none" strike="noStrike" cap="none" normalizeH="0" baseline="0" dirty="0">
                 <a:ln>
                   <a:noFill/>
                 </a:ln>
@@ -6176,7 +5970,7 @@
               <a:t>;</a:t>
             </a:r>
             <a:br>
-              <a:rPr kumimoji="0" lang="en-US" altLang="en-US" sz="2000" b="0" i="0" u="none" strike="noStrike" cap="none" normalizeH="0" baseline="0" dirty="0" smtClean="0">
+              <a:rPr kumimoji="0" lang="en-US" altLang="en-US" sz="2000" b="0" i="0" u="none" strike="noStrike" cap="none" normalizeH="0" baseline="0" dirty="0">
                 <a:ln>
                   <a:noFill/>
                 </a:ln>
@@ -6188,7 +5982,7 @@
               </a:rPr>
             </a:br>
             <a:r>
-              <a:rPr kumimoji="0" lang="en-US" altLang="en-US" sz="2000" b="0" i="0" u="none" strike="noStrike" cap="none" normalizeH="0" baseline="0" dirty="0" smtClean="0">
+              <a:rPr kumimoji="0" lang="en-US" altLang="en-US" sz="2000" b="0" i="0" u="none" strike="noStrike" cap="none" normalizeH="0" baseline="0" dirty="0">
                 <a:ln>
                   <a:noFill/>
                 </a:ln>
@@ -6201,7 +5995,7 @@
               <a:t>    </a:t>
             </a:r>
             <a:r>
-              <a:rPr kumimoji="0" lang="en-US" altLang="en-US" sz="2000" b="0" i="0" u="none" strike="noStrike" cap="none" normalizeH="0" baseline="0" dirty="0" smtClean="0">
+              <a:rPr kumimoji="0" lang="en-US" altLang="en-US" sz="2000" b="0" i="0" u="none" strike="noStrike" cap="none" normalizeH="0" baseline="0" dirty="0">
                 <a:ln>
                   <a:noFill/>
                 </a:ln>
@@ -6213,288 +6007,7 @@
               </a:rPr>
               <a:t>}</a:t>
             </a:r>
-            <a:br>
-              <a:rPr kumimoji="0" lang="en-US" altLang="en-US" sz="2000" b="0" i="0" u="none" strike="noStrike" cap="none" normalizeH="0" baseline="0" dirty="0" smtClean="0">
-                <a:ln>
-                  <a:noFill/>
-                </a:ln>
-                <a:solidFill>
-                  <a:srgbClr val="A9B7C6"/>
-                </a:solidFill>
-                <a:effectLst/>
-                <a:latin typeface="JetBrains Mono"/>
-              </a:rPr>
-            </a:br>
-            <a:r>
-              <a:rPr kumimoji="0" lang="en-US" altLang="en-US" sz="2000" b="0" i="0" u="none" strike="noStrike" cap="none" normalizeH="0" baseline="0" dirty="0" smtClean="0">
-                <a:ln>
-                  <a:noFill/>
-                </a:ln>
-                <a:solidFill>
-                  <a:srgbClr val="A9B7C6"/>
-                </a:solidFill>
-                <a:effectLst/>
-                <a:latin typeface="JetBrains Mono"/>
-              </a:rPr>
-              <a:t/>
-            </a:r>
-            <a:br>
-              <a:rPr kumimoji="0" lang="en-US" altLang="en-US" sz="2000" b="0" i="0" u="none" strike="noStrike" cap="none" normalizeH="0" baseline="0" dirty="0" smtClean="0">
-                <a:ln>
-                  <a:noFill/>
-                </a:ln>
-                <a:solidFill>
-                  <a:srgbClr val="A9B7C6"/>
-                </a:solidFill>
-                <a:effectLst/>
-                <a:latin typeface="JetBrains Mono"/>
-              </a:rPr>
-            </a:br>
-            <a:r>
-              <a:rPr kumimoji="0" lang="en-US" altLang="en-US" sz="2000" b="0" i="0" u="none" strike="noStrike" cap="none" normalizeH="0" baseline="0" dirty="0" smtClean="0">
-                <a:ln>
-                  <a:noFill/>
-                </a:ln>
-                <a:solidFill>
-                  <a:srgbClr val="A9B7C6"/>
-                </a:solidFill>
-                <a:effectLst/>
-                <a:latin typeface="JetBrains Mono"/>
-              </a:rPr>
-              <a:t>    </a:t>
-            </a:r>
-            <a:r>
-              <a:rPr kumimoji="0" lang="en-US" altLang="en-US" sz="2000" b="0" i="0" u="none" strike="noStrike" cap="none" normalizeH="0" baseline="0" dirty="0" smtClean="0">
-                <a:ln>
-                  <a:noFill/>
-                </a:ln>
-                <a:solidFill>
-                  <a:srgbClr val="BBB529"/>
-                </a:solidFill>
-                <a:effectLst/>
-                <a:latin typeface="JetBrains Mono"/>
-              </a:rPr>
-              <a:t>@</a:t>
-            </a:r>
-            <a:r>
-              <a:rPr kumimoji="0" lang="en-US" altLang="en-US" sz="2000" b="0" i="0" u="none" strike="noStrike" cap="none" normalizeH="0" baseline="0" dirty="0" err="1" smtClean="0">
-                <a:ln>
-                  <a:noFill/>
-                </a:ln>
-                <a:solidFill>
-                  <a:srgbClr val="BBB529"/>
-                </a:solidFill>
-                <a:effectLst/>
-                <a:latin typeface="JetBrains Mono"/>
-              </a:rPr>
-              <a:t>Autowired</a:t>
-            </a:r>
-            <a:r>
-              <a:rPr kumimoji="0" lang="en-US" altLang="en-US" sz="2000" b="0" i="0" u="none" strike="noStrike" cap="none" normalizeH="0" baseline="0" dirty="0" smtClean="0">
-                <a:ln>
-                  <a:noFill/>
-                </a:ln>
-                <a:solidFill>
-                  <a:srgbClr val="BBB529"/>
-                </a:solidFill>
-                <a:effectLst/>
-                <a:latin typeface="JetBrains Mono"/>
-              </a:rPr>
-              <a:t/>
-            </a:r>
-            <a:br>
-              <a:rPr kumimoji="0" lang="en-US" altLang="en-US" sz="2000" b="0" i="0" u="none" strike="noStrike" cap="none" normalizeH="0" baseline="0" dirty="0" smtClean="0">
-                <a:ln>
-                  <a:noFill/>
-                </a:ln>
-                <a:solidFill>
-                  <a:srgbClr val="BBB529"/>
-                </a:solidFill>
-                <a:effectLst/>
-                <a:latin typeface="JetBrains Mono"/>
-              </a:rPr>
-            </a:br>
-            <a:r>
-              <a:rPr kumimoji="0" lang="en-US" altLang="en-US" sz="2000" b="0" i="0" u="none" strike="noStrike" cap="none" normalizeH="0" baseline="0" dirty="0" smtClean="0">
-                <a:ln>
-                  <a:noFill/>
-                </a:ln>
-                <a:solidFill>
-                  <a:srgbClr val="BBB529"/>
-                </a:solidFill>
-                <a:effectLst/>
-                <a:latin typeface="JetBrains Mono"/>
-              </a:rPr>
-              <a:t>    </a:t>
-            </a:r>
-            <a:r>
-              <a:rPr kumimoji="0" lang="en-US" altLang="en-US" sz="2000" b="0" i="0" u="none" strike="noStrike" cap="none" normalizeH="0" baseline="0" dirty="0" smtClean="0">
-                <a:ln>
-                  <a:noFill/>
-                </a:ln>
-                <a:solidFill>
-                  <a:srgbClr val="CC7832"/>
-                </a:solidFill>
-                <a:effectLst/>
-                <a:latin typeface="JetBrains Mono"/>
-              </a:rPr>
-              <a:t>public void </a:t>
-            </a:r>
-            <a:r>
-              <a:rPr kumimoji="0" lang="en-US" altLang="en-US" sz="2000" b="0" i="0" u="none" strike="noStrike" cap="none" normalizeH="0" baseline="0" dirty="0" err="1" smtClean="0">
-                <a:ln>
-                  <a:noFill/>
-                </a:ln>
-                <a:solidFill>
-                  <a:srgbClr val="FFC66D"/>
-                </a:solidFill>
-                <a:effectLst/>
-                <a:latin typeface="JetBrains Mono"/>
-              </a:rPr>
-              <a:t>setCat</a:t>
-            </a:r>
-            <a:r>
-              <a:rPr kumimoji="0" lang="en-US" altLang="en-US" sz="2000" b="0" i="0" u="none" strike="noStrike" cap="none" normalizeH="0" baseline="0" dirty="0" smtClean="0">
-                <a:ln>
-                  <a:noFill/>
-                </a:ln>
-                <a:solidFill>
-                  <a:srgbClr val="A9B7C6"/>
-                </a:solidFill>
-                <a:effectLst/>
-                <a:latin typeface="JetBrains Mono"/>
-              </a:rPr>
-              <a:t>(Cat cat) {</a:t>
-            </a:r>
-            <a:br>
-              <a:rPr kumimoji="0" lang="en-US" altLang="en-US" sz="2000" b="0" i="0" u="none" strike="noStrike" cap="none" normalizeH="0" baseline="0" dirty="0" smtClean="0">
-                <a:ln>
-                  <a:noFill/>
-                </a:ln>
-                <a:solidFill>
-                  <a:srgbClr val="A9B7C6"/>
-                </a:solidFill>
-                <a:effectLst/>
-                <a:latin typeface="JetBrains Mono"/>
-              </a:rPr>
-            </a:br>
-            <a:r>
-              <a:rPr kumimoji="0" lang="en-US" altLang="en-US" sz="2000" b="0" i="0" u="none" strike="noStrike" cap="none" normalizeH="0" baseline="0" dirty="0" smtClean="0">
-                <a:ln>
-                  <a:noFill/>
-                </a:ln>
-                <a:solidFill>
-                  <a:srgbClr val="A9B7C6"/>
-                </a:solidFill>
-                <a:effectLst/>
-                <a:latin typeface="JetBrains Mono"/>
-              </a:rPr>
-              <a:t>        </a:t>
-            </a:r>
-            <a:r>
-              <a:rPr kumimoji="0" lang="en-US" altLang="en-US" sz="2000" b="0" i="0" u="none" strike="noStrike" cap="none" normalizeH="0" baseline="0" dirty="0" smtClean="0">
-                <a:ln>
-                  <a:noFill/>
-                </a:ln>
-                <a:solidFill>
-                  <a:srgbClr val="CC7832"/>
-                </a:solidFill>
-                <a:effectLst/>
-                <a:latin typeface="JetBrains Mono"/>
-              </a:rPr>
-              <a:t>this</a:t>
-            </a:r>
-            <a:r>
-              <a:rPr kumimoji="0" lang="en-US" altLang="en-US" sz="2000" b="0" i="0" u="none" strike="noStrike" cap="none" normalizeH="0" baseline="0" dirty="0" smtClean="0">
-                <a:ln>
-                  <a:noFill/>
-                </a:ln>
-                <a:solidFill>
-                  <a:srgbClr val="A9B7C6"/>
-                </a:solidFill>
-                <a:effectLst/>
-                <a:latin typeface="JetBrains Mono"/>
-              </a:rPr>
-              <a:t>.</a:t>
-            </a:r>
-            <a:r>
-              <a:rPr kumimoji="0" lang="en-US" altLang="en-US" sz="2000" b="0" i="0" u="none" strike="noStrike" cap="none" normalizeH="0" baseline="0" dirty="0" smtClean="0">
-                <a:ln>
-                  <a:noFill/>
-                </a:ln>
-                <a:solidFill>
-                  <a:srgbClr val="9876AA"/>
-                </a:solidFill>
-                <a:effectLst/>
-                <a:latin typeface="JetBrains Mono"/>
-              </a:rPr>
-              <a:t>cat </a:t>
-            </a:r>
-            <a:r>
-              <a:rPr kumimoji="0" lang="en-US" altLang="en-US" sz="2000" b="0" i="0" u="none" strike="noStrike" cap="none" normalizeH="0" baseline="0" dirty="0" smtClean="0">
-                <a:ln>
-                  <a:noFill/>
-                </a:ln>
-                <a:solidFill>
-                  <a:srgbClr val="A9B7C6"/>
-                </a:solidFill>
-                <a:effectLst/>
-                <a:latin typeface="JetBrains Mono"/>
-              </a:rPr>
-              <a:t>= cat</a:t>
-            </a:r>
-            <a:r>
-              <a:rPr kumimoji="0" lang="en-US" altLang="en-US" sz="2000" b="0" i="0" u="none" strike="noStrike" cap="none" normalizeH="0" baseline="0" dirty="0" smtClean="0">
-                <a:ln>
-                  <a:noFill/>
-                </a:ln>
-                <a:solidFill>
-                  <a:srgbClr val="CC7832"/>
-                </a:solidFill>
-                <a:effectLst/>
-                <a:latin typeface="JetBrains Mono"/>
-              </a:rPr>
-              <a:t>;</a:t>
-            </a:r>
-            <a:br>
-              <a:rPr kumimoji="0" lang="en-US" altLang="en-US" sz="2000" b="0" i="0" u="none" strike="noStrike" cap="none" normalizeH="0" baseline="0" dirty="0" smtClean="0">
-                <a:ln>
-                  <a:noFill/>
-                </a:ln>
-                <a:solidFill>
-                  <a:srgbClr val="CC7832"/>
-                </a:solidFill>
-                <a:effectLst/>
-                <a:latin typeface="JetBrains Mono"/>
-              </a:rPr>
-            </a:br>
-            <a:r>
-              <a:rPr kumimoji="0" lang="en-US" altLang="en-US" sz="2000" b="0" i="0" u="none" strike="noStrike" cap="none" normalizeH="0" baseline="0" dirty="0" smtClean="0">
-                <a:ln>
-                  <a:noFill/>
-                </a:ln>
-                <a:solidFill>
-                  <a:srgbClr val="CC7832"/>
-                </a:solidFill>
-                <a:effectLst/>
-                <a:latin typeface="JetBrains Mono"/>
-              </a:rPr>
-              <a:t>    </a:t>
-            </a:r>
-            <a:r>
-              <a:rPr kumimoji="0" lang="en-US" altLang="en-US" sz="2000" b="0" i="0" u="none" strike="noStrike" cap="none" normalizeH="0" baseline="0" dirty="0" smtClean="0">
-                <a:ln>
-                  <a:noFill/>
-                </a:ln>
-                <a:solidFill>
-                  <a:srgbClr val="A9B7C6"/>
-                </a:solidFill>
-                <a:effectLst/>
-                <a:latin typeface="JetBrains Mono"/>
-              </a:rPr>
-              <a:t>}</a:t>
-            </a:r>
-            <a:endParaRPr kumimoji="0" lang="ru-RU" altLang="en-US" sz="2000" b="0" i="0" u="none" strike="noStrike" cap="none" normalizeH="0" baseline="0" dirty="0" smtClean="0">
+            <a:endParaRPr kumimoji="0" lang="ru-RU" altLang="en-US" sz="2000" b="0" i="0" u="none" strike="noStrike" cap="none" normalizeH="0" baseline="0" dirty="0">
               <a:ln>
                 <a:noFill/>
               </a:ln>
@@ -6531,7 +6044,7 @@
               </a:rPr>
               <a:t>}</a:t>
             </a:r>
-            <a:endParaRPr kumimoji="0" lang="en-US" altLang="en-US" sz="2000" b="0" i="0" u="none" strike="noStrike" cap="none" normalizeH="0" baseline="0" dirty="0" smtClean="0">
+            <a:endParaRPr kumimoji="0" lang="en-US" altLang="en-US" sz="2000" b="0" i="0" u="none" strike="noStrike" cap="none" normalizeH="0" baseline="0" dirty="0">
               <a:ln>
                 <a:noFill/>
               </a:ln>
